--- a/Seismic Drones/CASE-2016/pictures/shot_gather_compare.pptx
+++ b/Seismic Drones/CASE-2016/pictures/shot_gather_compare.pptx
@@ -2,19 +2,19 @@
 <file path=ppt/presentation.xml><?xml version="1.0" encoding="utf-8"?>
 <p:presentation xmlns:a="http://schemas.openxmlformats.org/drawingml/2006/main" xmlns:r="http://schemas.openxmlformats.org/officeDocument/2006/relationships" xmlns:p="http://schemas.openxmlformats.org/presentationml/2006/main" saveSubsetFonts="1">
   <p:sldMasterIdLst>
-    <p:sldMasterId id="2147483720" r:id="rId1"/>
+    <p:sldMasterId id="2147483768" r:id="rId1"/>
   </p:sldMasterIdLst>
   <p:sldIdLst>
     <p:sldId id="256" r:id="rId2"/>
   </p:sldIdLst>
-  <p:sldSz cx="13441363" cy="15087600"/>
+  <p:sldSz cx="7315200" cy="10515600"/>
   <p:notesSz cx="6858000" cy="9144000"/>
   <p:defaultTextStyle>
     <a:defPPr>
       <a:defRPr lang="en-US"/>
     </a:defPPr>
-    <a:lvl1pPr marL="0" algn="l" defTabSz="1053708" rtl="0" eaLnBrk="1" latinLnBrk="0" hangingPunct="1">
-      <a:defRPr sz="2074" kern="1200">
+    <a:lvl1pPr marL="0" algn="l" defTabSz="692299" rtl="0" eaLnBrk="1" latinLnBrk="0" hangingPunct="1">
+      <a:defRPr sz="1362" kern="1200">
         <a:solidFill>
           <a:schemeClr val="tx1"/>
         </a:solidFill>
@@ -23,8 +23,8 @@
         <a:cs typeface="+mn-cs"/>
       </a:defRPr>
     </a:lvl1pPr>
-    <a:lvl2pPr marL="526854" algn="l" defTabSz="1053708" rtl="0" eaLnBrk="1" latinLnBrk="0" hangingPunct="1">
-      <a:defRPr sz="2074" kern="1200">
+    <a:lvl2pPr marL="346150" algn="l" defTabSz="692299" rtl="0" eaLnBrk="1" latinLnBrk="0" hangingPunct="1">
+      <a:defRPr sz="1362" kern="1200">
         <a:solidFill>
           <a:schemeClr val="tx1"/>
         </a:solidFill>
@@ -33,8 +33,8 @@
         <a:cs typeface="+mn-cs"/>
       </a:defRPr>
     </a:lvl2pPr>
-    <a:lvl3pPr marL="1053708" algn="l" defTabSz="1053708" rtl="0" eaLnBrk="1" latinLnBrk="0" hangingPunct="1">
-      <a:defRPr sz="2074" kern="1200">
+    <a:lvl3pPr marL="692299" algn="l" defTabSz="692299" rtl="0" eaLnBrk="1" latinLnBrk="0" hangingPunct="1">
+      <a:defRPr sz="1362" kern="1200">
         <a:solidFill>
           <a:schemeClr val="tx1"/>
         </a:solidFill>
@@ -43,8 +43,8 @@
         <a:cs typeface="+mn-cs"/>
       </a:defRPr>
     </a:lvl3pPr>
-    <a:lvl4pPr marL="1580562" algn="l" defTabSz="1053708" rtl="0" eaLnBrk="1" latinLnBrk="0" hangingPunct="1">
-      <a:defRPr sz="2074" kern="1200">
+    <a:lvl4pPr marL="1038448" algn="l" defTabSz="692299" rtl="0" eaLnBrk="1" latinLnBrk="0" hangingPunct="1">
+      <a:defRPr sz="1362" kern="1200">
         <a:solidFill>
           <a:schemeClr val="tx1"/>
         </a:solidFill>
@@ -53,8 +53,8 @@
         <a:cs typeface="+mn-cs"/>
       </a:defRPr>
     </a:lvl4pPr>
-    <a:lvl5pPr marL="2107415" algn="l" defTabSz="1053708" rtl="0" eaLnBrk="1" latinLnBrk="0" hangingPunct="1">
-      <a:defRPr sz="2074" kern="1200">
+    <a:lvl5pPr marL="1384597" algn="l" defTabSz="692299" rtl="0" eaLnBrk="1" latinLnBrk="0" hangingPunct="1">
+      <a:defRPr sz="1362" kern="1200">
         <a:solidFill>
           <a:schemeClr val="tx1"/>
         </a:solidFill>
@@ -63,8 +63,8 @@
         <a:cs typeface="+mn-cs"/>
       </a:defRPr>
     </a:lvl5pPr>
-    <a:lvl6pPr marL="2634269" algn="l" defTabSz="1053708" rtl="0" eaLnBrk="1" latinLnBrk="0" hangingPunct="1">
-      <a:defRPr sz="2074" kern="1200">
+    <a:lvl6pPr marL="1730747" algn="l" defTabSz="692299" rtl="0" eaLnBrk="1" latinLnBrk="0" hangingPunct="1">
+      <a:defRPr sz="1362" kern="1200">
         <a:solidFill>
           <a:schemeClr val="tx1"/>
         </a:solidFill>
@@ -73,8 +73,8 @@
         <a:cs typeface="+mn-cs"/>
       </a:defRPr>
     </a:lvl6pPr>
-    <a:lvl7pPr marL="3161123" algn="l" defTabSz="1053708" rtl="0" eaLnBrk="1" latinLnBrk="0" hangingPunct="1">
-      <a:defRPr sz="2074" kern="1200">
+    <a:lvl7pPr marL="2076896" algn="l" defTabSz="692299" rtl="0" eaLnBrk="1" latinLnBrk="0" hangingPunct="1">
+      <a:defRPr sz="1362" kern="1200">
         <a:solidFill>
           <a:schemeClr val="tx1"/>
         </a:solidFill>
@@ -83,8 +83,8 @@
         <a:cs typeface="+mn-cs"/>
       </a:defRPr>
     </a:lvl7pPr>
-    <a:lvl8pPr marL="3687978" algn="l" defTabSz="1053708" rtl="0" eaLnBrk="1" latinLnBrk="0" hangingPunct="1">
-      <a:defRPr sz="2074" kern="1200">
+    <a:lvl8pPr marL="2423046" algn="l" defTabSz="692299" rtl="0" eaLnBrk="1" latinLnBrk="0" hangingPunct="1">
+      <a:defRPr sz="1362" kern="1200">
         <a:solidFill>
           <a:schemeClr val="tx1"/>
         </a:solidFill>
@@ -93,8 +93,8 @@
         <a:cs typeface="+mn-cs"/>
       </a:defRPr>
     </a:lvl8pPr>
-    <a:lvl9pPr marL="4214832" algn="l" defTabSz="1053708" rtl="0" eaLnBrk="1" latinLnBrk="0" hangingPunct="1">
-      <a:defRPr sz="2074" kern="1200">
+    <a:lvl9pPr marL="2769196" algn="l" defTabSz="692299" rtl="0" eaLnBrk="1" latinLnBrk="0" hangingPunct="1">
+      <a:defRPr sz="1362" kern="1200">
         <a:solidFill>
           <a:schemeClr val="tx1"/>
         </a:solidFill>
@@ -104,6 +104,11 @@
       </a:defRPr>
     </a:lvl9pPr>
   </p:defaultTextStyle>
+  <p:extLst>
+    <p:ext uri="{EFAFB233-063F-42B5-8137-9DF3F51BA10A}">
+      <p15:sldGuideLst xmlns:p15="http://schemas.microsoft.com/office/powerpoint/2012/main"/>
+    </p:ext>
+  </p:extLst>
 </p:presentation>
 </file>
 
@@ -136,15 +141,15 @@
         </p:nvSpPr>
         <p:spPr>
           <a:xfrm>
-            <a:off x="1008102" y="2469199"/>
-            <a:ext cx="11425159" cy="5252720"/>
+            <a:off x="548640" y="1720956"/>
+            <a:ext cx="6217920" cy="3660987"/>
           </a:xfrm>
         </p:spPr>
         <p:txBody>
           <a:bodyPr anchor="b"/>
           <a:lstStyle>
             <a:lvl1pPr algn="ctr">
-              <a:defRPr sz="8820"/>
+              <a:defRPr sz="4800"/>
             </a:lvl1pPr>
           </a:lstStyle>
           <a:p>
@@ -168,8 +173,8 @@
         </p:nvSpPr>
         <p:spPr>
           <a:xfrm>
-            <a:off x="1680171" y="7924484"/>
-            <a:ext cx="10081022" cy="3642676"/>
+            <a:off x="914400" y="5523125"/>
+            <a:ext cx="5486400" cy="2538835"/>
           </a:xfrm>
         </p:spPr>
         <p:txBody>
@@ -177,39 +182,39 @@
           <a:lstStyle>
             <a:lvl1pPr marL="0" indent="0" algn="ctr">
               <a:buNone/>
-              <a:defRPr sz="3528"/>
+              <a:defRPr sz="1920"/>
             </a:lvl1pPr>
-            <a:lvl2pPr marL="672084" indent="0" algn="ctr">
-              <a:buNone/>
-              <a:defRPr sz="2940"/>
+            <a:lvl2pPr marL="365760" indent="0" algn="ctr">
+              <a:buNone/>
+              <a:defRPr sz="1600"/>
             </a:lvl2pPr>
-            <a:lvl3pPr marL="1344168" indent="0" algn="ctr">
-              <a:buNone/>
-              <a:defRPr sz="2646"/>
+            <a:lvl3pPr marL="731520" indent="0" algn="ctr">
+              <a:buNone/>
+              <a:defRPr sz="1440"/>
             </a:lvl3pPr>
-            <a:lvl4pPr marL="2016252" indent="0" algn="ctr">
-              <a:buNone/>
-              <a:defRPr sz="2352"/>
+            <a:lvl4pPr marL="1097280" indent="0" algn="ctr">
+              <a:buNone/>
+              <a:defRPr sz="1280"/>
             </a:lvl4pPr>
-            <a:lvl5pPr marL="2688336" indent="0" algn="ctr">
-              <a:buNone/>
-              <a:defRPr sz="2352"/>
+            <a:lvl5pPr marL="1463040" indent="0" algn="ctr">
+              <a:buNone/>
+              <a:defRPr sz="1280"/>
             </a:lvl5pPr>
-            <a:lvl6pPr marL="3360420" indent="0" algn="ctr">
-              <a:buNone/>
-              <a:defRPr sz="2352"/>
+            <a:lvl6pPr marL="1828800" indent="0" algn="ctr">
+              <a:buNone/>
+              <a:defRPr sz="1280"/>
             </a:lvl6pPr>
-            <a:lvl7pPr marL="4032504" indent="0" algn="ctr">
-              <a:buNone/>
-              <a:defRPr sz="2352"/>
+            <a:lvl7pPr marL="2194560" indent="0" algn="ctr">
+              <a:buNone/>
+              <a:defRPr sz="1280"/>
             </a:lvl7pPr>
-            <a:lvl8pPr marL="4704588" indent="0" algn="ctr">
-              <a:buNone/>
-              <a:defRPr sz="2352"/>
+            <a:lvl8pPr marL="2560320" indent="0" algn="ctr">
+              <a:buNone/>
+              <a:defRPr sz="1280"/>
             </a:lvl8pPr>
-            <a:lvl9pPr marL="5376672" indent="0" algn="ctr">
-              <a:buNone/>
-              <a:defRPr sz="2352"/>
+            <a:lvl9pPr marL="2926080" indent="0" algn="ctr">
+              <a:buNone/>
+              <a:defRPr sz="1280"/>
             </a:lvl9pPr>
           </a:lstStyle>
           <a:p>
@@ -238,7 +243,7 @@
           <a:p>
             <a:fld id="{575672ED-15D8-4832-9371-7BFF7FFD4540}" type="datetimeFigureOut">
               <a:rPr lang="en-US" smtClean="0"/>
-              <a:t>3/5/2016</a:t>
+              <a:t>3/8/2016</a:t>
             </a:fld>
             <a:endParaRPr lang="en-US"/>
           </a:p>
@@ -289,7 +294,7 @@
     </p:spTree>
     <p:extLst>
       <p:ext uri="{BB962C8B-B14F-4D97-AF65-F5344CB8AC3E}">
-        <p14:creationId xmlns:p14="http://schemas.microsoft.com/office/powerpoint/2010/main" val="1403375731"/>
+        <p14:creationId xmlns:p14="http://schemas.microsoft.com/office/powerpoint/2010/main" val="2727840736"/>
       </p:ext>
     </p:extLst>
   </p:cSld>
@@ -408,7 +413,7 @@
           <a:p>
             <a:fld id="{575672ED-15D8-4832-9371-7BFF7FFD4540}" type="datetimeFigureOut">
               <a:rPr lang="en-US" smtClean="0"/>
-              <a:t>3/5/2016</a:t>
+              <a:t>3/8/2016</a:t>
             </a:fld>
             <a:endParaRPr lang="en-US"/>
           </a:p>
@@ -459,7 +464,7 @@
     </p:spTree>
     <p:extLst>
       <p:ext uri="{BB962C8B-B14F-4D97-AF65-F5344CB8AC3E}">
-        <p14:creationId xmlns:p14="http://schemas.microsoft.com/office/powerpoint/2010/main" val="28261552"/>
+        <p14:creationId xmlns:p14="http://schemas.microsoft.com/office/powerpoint/2010/main" val="3762849981"/>
       </p:ext>
     </p:extLst>
   </p:cSld>
@@ -498,8 +503,8 @@
         </p:nvSpPr>
         <p:spPr>
           <a:xfrm>
-            <a:off x="9618976" y="803275"/>
-            <a:ext cx="2898294" cy="12786044"/>
+            <a:off x="5234940" y="559858"/>
+            <a:ext cx="1577340" cy="8911485"/>
           </a:xfrm>
         </p:spPr>
         <p:txBody>
@@ -526,8 +531,8 @@
         </p:nvSpPr>
         <p:spPr>
           <a:xfrm>
-            <a:off x="924094" y="803275"/>
-            <a:ext cx="8526865" cy="12786044"/>
+            <a:off x="502920" y="559858"/>
+            <a:ext cx="4640580" cy="8911485"/>
           </a:xfrm>
         </p:spPr>
         <p:txBody>
@@ -588,7 +593,7 @@
           <a:p>
             <a:fld id="{575672ED-15D8-4832-9371-7BFF7FFD4540}" type="datetimeFigureOut">
               <a:rPr lang="en-US" smtClean="0"/>
-              <a:t>3/5/2016</a:t>
+              <a:t>3/8/2016</a:t>
             </a:fld>
             <a:endParaRPr lang="en-US"/>
           </a:p>
@@ -639,7 +644,7 @@
     </p:spTree>
     <p:extLst>
       <p:ext uri="{BB962C8B-B14F-4D97-AF65-F5344CB8AC3E}">
-        <p14:creationId xmlns:p14="http://schemas.microsoft.com/office/powerpoint/2010/main" val="1682497850"/>
+        <p14:creationId xmlns:p14="http://schemas.microsoft.com/office/powerpoint/2010/main" val="1143850956"/>
       </p:ext>
     </p:extLst>
   </p:cSld>
@@ -758,7 +763,7 @@
           <a:p>
             <a:fld id="{575672ED-15D8-4832-9371-7BFF7FFD4540}" type="datetimeFigureOut">
               <a:rPr lang="en-US" smtClean="0"/>
-              <a:t>3/5/2016</a:t>
+              <a:t>3/8/2016</a:t>
             </a:fld>
             <a:endParaRPr lang="en-US"/>
           </a:p>
@@ -809,7 +814,7 @@
     </p:spTree>
     <p:extLst>
       <p:ext uri="{BB962C8B-B14F-4D97-AF65-F5344CB8AC3E}">
-        <p14:creationId xmlns:p14="http://schemas.microsoft.com/office/powerpoint/2010/main" val="1072811779"/>
+        <p14:creationId xmlns:p14="http://schemas.microsoft.com/office/powerpoint/2010/main" val="1355700425"/>
       </p:ext>
     </p:extLst>
   </p:cSld>
@@ -848,15 +853,15 @@
         </p:nvSpPr>
         <p:spPr>
           <a:xfrm>
-            <a:off x="917094" y="3761427"/>
-            <a:ext cx="11593176" cy="6276021"/>
+            <a:off x="499110" y="2621600"/>
+            <a:ext cx="6309360" cy="4374197"/>
           </a:xfrm>
         </p:spPr>
         <p:txBody>
           <a:bodyPr anchor="b"/>
           <a:lstStyle>
             <a:lvl1pPr>
-              <a:defRPr sz="8820"/>
+              <a:defRPr sz="4800"/>
             </a:lvl1pPr>
           </a:lstStyle>
           <a:p>
@@ -880,8 +885,8 @@
         </p:nvSpPr>
         <p:spPr>
           <a:xfrm>
-            <a:off x="917094" y="10096822"/>
-            <a:ext cx="11593176" cy="3300411"/>
+            <a:off x="499110" y="7037179"/>
+            <a:ext cx="6309360" cy="2300287"/>
           </a:xfrm>
         </p:spPr>
         <p:txBody>
@@ -889,15 +894,15 @@
           <a:lstStyle>
             <a:lvl1pPr marL="0" indent="0">
               <a:buNone/>
-              <a:defRPr sz="3528">
+              <a:defRPr sz="1920">
                 <a:solidFill>
                   <a:schemeClr val="tx1"/>
                 </a:solidFill>
               </a:defRPr>
             </a:lvl1pPr>
-            <a:lvl2pPr marL="672084" indent="0">
-              <a:buNone/>
-              <a:defRPr sz="2940">
+            <a:lvl2pPr marL="365760" indent="0">
+              <a:buNone/>
+              <a:defRPr sz="1600">
                 <a:solidFill>
                   <a:schemeClr val="tx1">
                     <a:tint val="75000"/>
@@ -905,9 +910,9 @@
                 </a:solidFill>
               </a:defRPr>
             </a:lvl2pPr>
-            <a:lvl3pPr marL="1344168" indent="0">
-              <a:buNone/>
-              <a:defRPr sz="2646">
+            <a:lvl3pPr marL="731520" indent="0">
+              <a:buNone/>
+              <a:defRPr sz="1440">
                 <a:solidFill>
                   <a:schemeClr val="tx1">
                     <a:tint val="75000"/>
@@ -915,9 +920,9 @@
                 </a:solidFill>
               </a:defRPr>
             </a:lvl3pPr>
-            <a:lvl4pPr marL="2016252" indent="0">
-              <a:buNone/>
-              <a:defRPr sz="2352">
+            <a:lvl4pPr marL="1097280" indent="0">
+              <a:buNone/>
+              <a:defRPr sz="1280">
                 <a:solidFill>
                   <a:schemeClr val="tx1">
                     <a:tint val="75000"/>
@@ -925,9 +930,9 @@
                 </a:solidFill>
               </a:defRPr>
             </a:lvl4pPr>
-            <a:lvl5pPr marL="2688336" indent="0">
-              <a:buNone/>
-              <a:defRPr sz="2352">
+            <a:lvl5pPr marL="1463040" indent="0">
+              <a:buNone/>
+              <a:defRPr sz="1280">
                 <a:solidFill>
                   <a:schemeClr val="tx1">
                     <a:tint val="75000"/>
@@ -935,9 +940,9 @@
                 </a:solidFill>
               </a:defRPr>
             </a:lvl5pPr>
-            <a:lvl6pPr marL="3360420" indent="0">
-              <a:buNone/>
-              <a:defRPr sz="2352">
+            <a:lvl6pPr marL="1828800" indent="0">
+              <a:buNone/>
+              <a:defRPr sz="1280">
                 <a:solidFill>
                   <a:schemeClr val="tx1">
                     <a:tint val="75000"/>
@@ -945,9 +950,9 @@
                 </a:solidFill>
               </a:defRPr>
             </a:lvl6pPr>
-            <a:lvl7pPr marL="4032504" indent="0">
-              <a:buNone/>
-              <a:defRPr sz="2352">
+            <a:lvl7pPr marL="2194560" indent="0">
+              <a:buNone/>
+              <a:defRPr sz="1280">
                 <a:solidFill>
                   <a:schemeClr val="tx1">
                     <a:tint val="75000"/>
@@ -955,9 +960,9 @@
                 </a:solidFill>
               </a:defRPr>
             </a:lvl7pPr>
-            <a:lvl8pPr marL="4704588" indent="0">
-              <a:buNone/>
-              <a:defRPr sz="2352">
+            <a:lvl8pPr marL="2560320" indent="0">
+              <a:buNone/>
+              <a:defRPr sz="1280">
                 <a:solidFill>
                   <a:schemeClr val="tx1">
                     <a:tint val="75000"/>
@@ -965,9 +970,9 @@
                 </a:solidFill>
               </a:defRPr>
             </a:lvl8pPr>
-            <a:lvl9pPr marL="5376672" indent="0">
-              <a:buNone/>
-              <a:defRPr sz="2352">
+            <a:lvl9pPr marL="2926080" indent="0">
+              <a:buNone/>
+              <a:defRPr sz="1280">
                 <a:solidFill>
                   <a:schemeClr val="tx1">
                     <a:tint val="75000"/>
@@ -1002,7 +1007,7 @@
           <a:p>
             <a:fld id="{575672ED-15D8-4832-9371-7BFF7FFD4540}" type="datetimeFigureOut">
               <a:rPr lang="en-US" smtClean="0"/>
-              <a:t>3/5/2016</a:t>
+              <a:t>3/8/2016</a:t>
             </a:fld>
             <a:endParaRPr lang="en-US"/>
           </a:p>
@@ -1053,7 +1058,7 @@
     </p:spTree>
     <p:extLst>
       <p:ext uri="{BB962C8B-B14F-4D97-AF65-F5344CB8AC3E}">
-        <p14:creationId xmlns:p14="http://schemas.microsoft.com/office/powerpoint/2010/main" val="2467547302"/>
+        <p14:creationId xmlns:p14="http://schemas.microsoft.com/office/powerpoint/2010/main" val="1561072268"/>
       </p:ext>
     </p:extLst>
   </p:cSld>
@@ -1115,8 +1120,8 @@
         </p:nvSpPr>
         <p:spPr>
           <a:xfrm>
-            <a:off x="924094" y="4016375"/>
-            <a:ext cx="5712579" cy="9572944"/>
+            <a:off x="502920" y="2799291"/>
+            <a:ext cx="3108960" cy="6672052"/>
           </a:xfrm>
         </p:spPr>
         <p:txBody>
@@ -1172,8 +1177,8 @@
         </p:nvSpPr>
         <p:spPr>
           <a:xfrm>
-            <a:off x="6804690" y="4016375"/>
-            <a:ext cx="5712579" cy="9572944"/>
+            <a:off x="3703320" y="2799291"/>
+            <a:ext cx="3108960" cy="6672052"/>
           </a:xfrm>
         </p:spPr>
         <p:txBody>
@@ -1234,7 +1239,7 @@
           <a:p>
             <a:fld id="{575672ED-15D8-4832-9371-7BFF7FFD4540}" type="datetimeFigureOut">
               <a:rPr lang="en-US" smtClean="0"/>
-              <a:t>3/5/2016</a:t>
+              <a:t>3/8/2016</a:t>
             </a:fld>
             <a:endParaRPr lang="en-US"/>
           </a:p>
@@ -1285,7 +1290,7 @@
     </p:spTree>
     <p:extLst>
       <p:ext uri="{BB962C8B-B14F-4D97-AF65-F5344CB8AC3E}">
-        <p14:creationId xmlns:p14="http://schemas.microsoft.com/office/powerpoint/2010/main" val="793314588"/>
+        <p14:creationId xmlns:p14="http://schemas.microsoft.com/office/powerpoint/2010/main" val="1725152349"/>
       </p:ext>
     </p:extLst>
   </p:cSld>
@@ -1324,8 +1329,8 @@
         </p:nvSpPr>
         <p:spPr>
           <a:xfrm>
-            <a:off x="925844" y="803278"/>
-            <a:ext cx="11593176" cy="2916239"/>
+            <a:off x="503873" y="559861"/>
+            <a:ext cx="6309360" cy="2032530"/>
           </a:xfrm>
         </p:spPr>
         <p:txBody>
@@ -1352,8 +1357,8 @@
         </p:nvSpPr>
         <p:spPr>
           <a:xfrm>
-            <a:off x="925846" y="3698559"/>
-            <a:ext cx="5686326" cy="1812606"/>
+            <a:off x="503874" y="2577783"/>
+            <a:ext cx="3094672" cy="1263332"/>
           </a:xfrm>
         </p:spPr>
         <p:txBody>
@@ -1361,39 +1366,39 @@
           <a:lstStyle>
             <a:lvl1pPr marL="0" indent="0">
               <a:buNone/>
-              <a:defRPr sz="3528" b="1"/>
+              <a:defRPr sz="1920" b="1"/>
             </a:lvl1pPr>
-            <a:lvl2pPr marL="672084" indent="0">
-              <a:buNone/>
-              <a:defRPr sz="2940" b="1"/>
+            <a:lvl2pPr marL="365760" indent="0">
+              <a:buNone/>
+              <a:defRPr sz="1600" b="1"/>
             </a:lvl2pPr>
-            <a:lvl3pPr marL="1344168" indent="0">
-              <a:buNone/>
-              <a:defRPr sz="2646" b="1"/>
+            <a:lvl3pPr marL="731520" indent="0">
+              <a:buNone/>
+              <a:defRPr sz="1440" b="1"/>
             </a:lvl3pPr>
-            <a:lvl4pPr marL="2016252" indent="0">
-              <a:buNone/>
-              <a:defRPr sz="2352" b="1"/>
+            <a:lvl4pPr marL="1097280" indent="0">
+              <a:buNone/>
+              <a:defRPr sz="1280" b="1"/>
             </a:lvl4pPr>
-            <a:lvl5pPr marL="2688336" indent="0">
-              <a:buNone/>
-              <a:defRPr sz="2352" b="1"/>
+            <a:lvl5pPr marL="1463040" indent="0">
+              <a:buNone/>
+              <a:defRPr sz="1280" b="1"/>
             </a:lvl5pPr>
-            <a:lvl6pPr marL="3360420" indent="0">
-              <a:buNone/>
-              <a:defRPr sz="2352" b="1"/>
+            <a:lvl6pPr marL="1828800" indent="0">
+              <a:buNone/>
+              <a:defRPr sz="1280" b="1"/>
             </a:lvl6pPr>
-            <a:lvl7pPr marL="4032504" indent="0">
-              <a:buNone/>
-              <a:defRPr sz="2352" b="1"/>
+            <a:lvl7pPr marL="2194560" indent="0">
+              <a:buNone/>
+              <a:defRPr sz="1280" b="1"/>
             </a:lvl7pPr>
-            <a:lvl8pPr marL="4704588" indent="0">
-              <a:buNone/>
-              <a:defRPr sz="2352" b="1"/>
+            <a:lvl8pPr marL="2560320" indent="0">
+              <a:buNone/>
+              <a:defRPr sz="1280" b="1"/>
             </a:lvl8pPr>
-            <a:lvl9pPr marL="5376672" indent="0">
-              <a:buNone/>
-              <a:defRPr sz="2352" b="1"/>
+            <a:lvl9pPr marL="2926080" indent="0">
+              <a:buNone/>
+              <a:defRPr sz="1280" b="1"/>
             </a:lvl9pPr>
           </a:lstStyle>
           <a:p>
@@ -1417,8 +1422,8 @@
         </p:nvSpPr>
         <p:spPr>
           <a:xfrm>
-            <a:off x="925846" y="5511165"/>
-            <a:ext cx="5686326" cy="8106094"/>
+            <a:off x="503874" y="3841115"/>
+            <a:ext cx="3094672" cy="5649702"/>
           </a:xfrm>
         </p:spPr>
         <p:txBody>
@@ -1474,8 +1479,8 @@
         </p:nvSpPr>
         <p:spPr>
           <a:xfrm>
-            <a:off x="6804691" y="3698559"/>
-            <a:ext cx="5714330" cy="1812606"/>
+            <a:off x="3703320" y="2577783"/>
+            <a:ext cx="3109913" cy="1263332"/>
           </a:xfrm>
         </p:spPr>
         <p:txBody>
@@ -1483,39 +1488,39 @@
           <a:lstStyle>
             <a:lvl1pPr marL="0" indent="0">
               <a:buNone/>
-              <a:defRPr sz="3528" b="1"/>
+              <a:defRPr sz="1920" b="1"/>
             </a:lvl1pPr>
-            <a:lvl2pPr marL="672084" indent="0">
-              <a:buNone/>
-              <a:defRPr sz="2940" b="1"/>
+            <a:lvl2pPr marL="365760" indent="0">
+              <a:buNone/>
+              <a:defRPr sz="1600" b="1"/>
             </a:lvl2pPr>
-            <a:lvl3pPr marL="1344168" indent="0">
-              <a:buNone/>
-              <a:defRPr sz="2646" b="1"/>
+            <a:lvl3pPr marL="731520" indent="0">
+              <a:buNone/>
+              <a:defRPr sz="1440" b="1"/>
             </a:lvl3pPr>
-            <a:lvl4pPr marL="2016252" indent="0">
-              <a:buNone/>
-              <a:defRPr sz="2352" b="1"/>
+            <a:lvl4pPr marL="1097280" indent="0">
+              <a:buNone/>
+              <a:defRPr sz="1280" b="1"/>
             </a:lvl4pPr>
-            <a:lvl5pPr marL="2688336" indent="0">
-              <a:buNone/>
-              <a:defRPr sz="2352" b="1"/>
+            <a:lvl5pPr marL="1463040" indent="0">
+              <a:buNone/>
+              <a:defRPr sz="1280" b="1"/>
             </a:lvl5pPr>
-            <a:lvl6pPr marL="3360420" indent="0">
-              <a:buNone/>
-              <a:defRPr sz="2352" b="1"/>
+            <a:lvl6pPr marL="1828800" indent="0">
+              <a:buNone/>
+              <a:defRPr sz="1280" b="1"/>
             </a:lvl6pPr>
-            <a:lvl7pPr marL="4032504" indent="0">
-              <a:buNone/>
-              <a:defRPr sz="2352" b="1"/>
+            <a:lvl7pPr marL="2194560" indent="0">
+              <a:buNone/>
+              <a:defRPr sz="1280" b="1"/>
             </a:lvl7pPr>
-            <a:lvl8pPr marL="4704588" indent="0">
-              <a:buNone/>
-              <a:defRPr sz="2352" b="1"/>
+            <a:lvl8pPr marL="2560320" indent="0">
+              <a:buNone/>
+              <a:defRPr sz="1280" b="1"/>
             </a:lvl8pPr>
-            <a:lvl9pPr marL="5376672" indent="0">
-              <a:buNone/>
-              <a:defRPr sz="2352" b="1"/>
+            <a:lvl9pPr marL="2926080" indent="0">
+              <a:buNone/>
+              <a:defRPr sz="1280" b="1"/>
             </a:lvl9pPr>
           </a:lstStyle>
           <a:p>
@@ -1539,8 +1544,8 @@
         </p:nvSpPr>
         <p:spPr>
           <a:xfrm>
-            <a:off x="6804691" y="5511165"/>
-            <a:ext cx="5714330" cy="8106094"/>
+            <a:off x="3703320" y="3841115"/>
+            <a:ext cx="3109913" cy="5649702"/>
           </a:xfrm>
         </p:spPr>
         <p:txBody>
@@ -1601,7 +1606,7 @@
           <a:p>
             <a:fld id="{575672ED-15D8-4832-9371-7BFF7FFD4540}" type="datetimeFigureOut">
               <a:rPr lang="en-US" smtClean="0"/>
-              <a:t>3/5/2016</a:t>
+              <a:t>3/8/2016</a:t>
             </a:fld>
             <a:endParaRPr lang="en-US"/>
           </a:p>
@@ -1652,7 +1657,7 @@
     </p:spTree>
     <p:extLst>
       <p:ext uri="{BB962C8B-B14F-4D97-AF65-F5344CB8AC3E}">
-        <p14:creationId xmlns:p14="http://schemas.microsoft.com/office/powerpoint/2010/main" val="2050176324"/>
+        <p14:creationId xmlns:p14="http://schemas.microsoft.com/office/powerpoint/2010/main" val="3753730800"/>
       </p:ext>
     </p:extLst>
   </p:cSld>
@@ -1719,7 +1724,7 @@
           <a:p>
             <a:fld id="{575672ED-15D8-4832-9371-7BFF7FFD4540}" type="datetimeFigureOut">
               <a:rPr lang="en-US" smtClean="0"/>
-              <a:t>3/5/2016</a:t>
+              <a:t>3/8/2016</a:t>
             </a:fld>
             <a:endParaRPr lang="en-US"/>
           </a:p>
@@ -1770,7 +1775,7 @@
     </p:spTree>
     <p:extLst>
       <p:ext uri="{BB962C8B-B14F-4D97-AF65-F5344CB8AC3E}">
-        <p14:creationId xmlns:p14="http://schemas.microsoft.com/office/powerpoint/2010/main" val="2458123037"/>
+        <p14:creationId xmlns:p14="http://schemas.microsoft.com/office/powerpoint/2010/main" val="84447835"/>
       </p:ext>
     </p:extLst>
   </p:cSld>
@@ -1814,7 +1819,7 @@
           <a:p>
             <a:fld id="{575672ED-15D8-4832-9371-7BFF7FFD4540}" type="datetimeFigureOut">
               <a:rPr lang="en-US" smtClean="0"/>
-              <a:t>3/5/2016</a:t>
+              <a:t>3/8/2016</a:t>
             </a:fld>
             <a:endParaRPr lang="en-US"/>
           </a:p>
@@ -1865,7 +1870,7 @@
     </p:spTree>
     <p:extLst>
       <p:ext uri="{BB962C8B-B14F-4D97-AF65-F5344CB8AC3E}">
-        <p14:creationId xmlns:p14="http://schemas.microsoft.com/office/powerpoint/2010/main" val="1091239725"/>
+        <p14:creationId xmlns:p14="http://schemas.microsoft.com/office/powerpoint/2010/main" val="3439547672"/>
       </p:ext>
     </p:extLst>
   </p:cSld>
@@ -1904,15 +1909,15 @@
         </p:nvSpPr>
         <p:spPr>
           <a:xfrm>
-            <a:off x="925845" y="1005840"/>
-            <a:ext cx="4335189" cy="3520440"/>
+            <a:off x="503873" y="701040"/>
+            <a:ext cx="2359342" cy="2453640"/>
           </a:xfrm>
         </p:spPr>
         <p:txBody>
           <a:bodyPr anchor="b"/>
           <a:lstStyle>
             <a:lvl1pPr>
-              <a:defRPr sz="4704"/>
+              <a:defRPr sz="2560"/>
             </a:lvl1pPr>
           </a:lstStyle>
           <a:p>
@@ -1936,39 +1941,39 @@
         </p:nvSpPr>
         <p:spPr>
           <a:xfrm>
-            <a:off x="5714330" y="2172338"/>
-            <a:ext cx="6804690" cy="10721975"/>
+            <a:off x="3109913" y="1514054"/>
+            <a:ext cx="3703320" cy="7472892"/>
           </a:xfrm>
         </p:spPr>
         <p:txBody>
           <a:bodyPr/>
           <a:lstStyle>
             <a:lvl1pPr>
-              <a:defRPr sz="4704"/>
+              <a:defRPr sz="2560"/>
             </a:lvl1pPr>
             <a:lvl2pPr>
-              <a:defRPr sz="4116"/>
+              <a:defRPr sz="2240"/>
             </a:lvl2pPr>
             <a:lvl3pPr>
-              <a:defRPr sz="3528"/>
+              <a:defRPr sz="1920"/>
             </a:lvl3pPr>
             <a:lvl4pPr>
-              <a:defRPr sz="2940"/>
+              <a:defRPr sz="1600"/>
             </a:lvl4pPr>
             <a:lvl5pPr>
-              <a:defRPr sz="2940"/>
+              <a:defRPr sz="1600"/>
             </a:lvl5pPr>
             <a:lvl6pPr>
-              <a:defRPr sz="2940"/>
+              <a:defRPr sz="1600"/>
             </a:lvl6pPr>
             <a:lvl7pPr>
-              <a:defRPr sz="2940"/>
+              <a:defRPr sz="1600"/>
             </a:lvl7pPr>
             <a:lvl8pPr>
-              <a:defRPr sz="2940"/>
+              <a:defRPr sz="1600"/>
             </a:lvl8pPr>
             <a:lvl9pPr>
-              <a:defRPr sz="2940"/>
+              <a:defRPr sz="1600"/>
             </a:lvl9pPr>
           </a:lstStyle>
           <a:p>
@@ -2021,8 +2026,8 @@
         </p:nvSpPr>
         <p:spPr>
           <a:xfrm>
-            <a:off x="925845" y="4526280"/>
-            <a:ext cx="4335189" cy="8385494"/>
+            <a:off x="503873" y="3154680"/>
+            <a:ext cx="2359342" cy="5844435"/>
           </a:xfrm>
         </p:spPr>
         <p:txBody>
@@ -2030,39 +2035,39 @@
           <a:lstStyle>
             <a:lvl1pPr marL="0" indent="0">
               <a:buNone/>
-              <a:defRPr sz="2352"/>
+              <a:defRPr sz="1280"/>
             </a:lvl1pPr>
-            <a:lvl2pPr marL="672084" indent="0">
-              <a:buNone/>
-              <a:defRPr sz="2058"/>
+            <a:lvl2pPr marL="365760" indent="0">
+              <a:buNone/>
+              <a:defRPr sz="1120"/>
             </a:lvl2pPr>
-            <a:lvl3pPr marL="1344168" indent="0">
-              <a:buNone/>
-              <a:defRPr sz="1764"/>
+            <a:lvl3pPr marL="731520" indent="0">
+              <a:buNone/>
+              <a:defRPr sz="960"/>
             </a:lvl3pPr>
-            <a:lvl4pPr marL="2016252" indent="0">
-              <a:buNone/>
-              <a:defRPr sz="1470"/>
+            <a:lvl4pPr marL="1097280" indent="0">
+              <a:buNone/>
+              <a:defRPr sz="800"/>
             </a:lvl4pPr>
-            <a:lvl5pPr marL="2688336" indent="0">
-              <a:buNone/>
-              <a:defRPr sz="1470"/>
+            <a:lvl5pPr marL="1463040" indent="0">
+              <a:buNone/>
+              <a:defRPr sz="800"/>
             </a:lvl5pPr>
-            <a:lvl6pPr marL="3360420" indent="0">
-              <a:buNone/>
-              <a:defRPr sz="1470"/>
+            <a:lvl6pPr marL="1828800" indent="0">
+              <a:buNone/>
+              <a:defRPr sz="800"/>
             </a:lvl6pPr>
-            <a:lvl7pPr marL="4032504" indent="0">
-              <a:buNone/>
-              <a:defRPr sz="1470"/>
+            <a:lvl7pPr marL="2194560" indent="0">
+              <a:buNone/>
+              <a:defRPr sz="800"/>
             </a:lvl7pPr>
-            <a:lvl8pPr marL="4704588" indent="0">
-              <a:buNone/>
-              <a:defRPr sz="1470"/>
+            <a:lvl8pPr marL="2560320" indent="0">
+              <a:buNone/>
+              <a:defRPr sz="800"/>
             </a:lvl8pPr>
-            <a:lvl9pPr marL="5376672" indent="0">
-              <a:buNone/>
-              <a:defRPr sz="1470"/>
+            <a:lvl9pPr marL="2926080" indent="0">
+              <a:buNone/>
+              <a:defRPr sz="800"/>
             </a:lvl9pPr>
           </a:lstStyle>
           <a:p>
@@ -2091,7 +2096,7 @@
           <a:p>
             <a:fld id="{575672ED-15D8-4832-9371-7BFF7FFD4540}" type="datetimeFigureOut">
               <a:rPr lang="en-US" smtClean="0"/>
-              <a:t>3/5/2016</a:t>
+              <a:t>3/8/2016</a:t>
             </a:fld>
             <a:endParaRPr lang="en-US"/>
           </a:p>
@@ -2142,7 +2147,7 @@
     </p:spTree>
     <p:extLst>
       <p:ext uri="{BB962C8B-B14F-4D97-AF65-F5344CB8AC3E}">
-        <p14:creationId xmlns:p14="http://schemas.microsoft.com/office/powerpoint/2010/main" val="2694994776"/>
+        <p14:creationId xmlns:p14="http://schemas.microsoft.com/office/powerpoint/2010/main" val="2436507546"/>
       </p:ext>
     </p:extLst>
   </p:cSld>
@@ -2181,15 +2186,15 @@
         </p:nvSpPr>
         <p:spPr>
           <a:xfrm>
-            <a:off x="925845" y="1005840"/>
-            <a:ext cx="4335189" cy="3520440"/>
+            <a:off x="503873" y="701040"/>
+            <a:ext cx="2359342" cy="2453640"/>
           </a:xfrm>
         </p:spPr>
         <p:txBody>
           <a:bodyPr anchor="b"/>
           <a:lstStyle>
             <a:lvl1pPr>
-              <a:defRPr sz="4704"/>
+              <a:defRPr sz="2560"/>
             </a:lvl1pPr>
           </a:lstStyle>
           <a:p>
@@ -2213,8 +2218,8 @@
         </p:nvSpPr>
         <p:spPr>
           <a:xfrm>
-            <a:off x="5714330" y="2172338"/>
-            <a:ext cx="6804690" cy="10721975"/>
+            <a:off x="3109913" y="1514054"/>
+            <a:ext cx="3703320" cy="7472892"/>
           </a:xfrm>
         </p:spPr>
         <p:txBody>
@@ -2222,39 +2227,39 @@
           <a:lstStyle>
             <a:lvl1pPr marL="0" indent="0">
               <a:buNone/>
-              <a:defRPr sz="4704"/>
+              <a:defRPr sz="2560"/>
             </a:lvl1pPr>
-            <a:lvl2pPr marL="672084" indent="0">
-              <a:buNone/>
-              <a:defRPr sz="4116"/>
+            <a:lvl2pPr marL="365760" indent="0">
+              <a:buNone/>
+              <a:defRPr sz="2240"/>
             </a:lvl2pPr>
-            <a:lvl3pPr marL="1344168" indent="0">
-              <a:buNone/>
-              <a:defRPr sz="3528"/>
+            <a:lvl3pPr marL="731520" indent="0">
+              <a:buNone/>
+              <a:defRPr sz="1920"/>
             </a:lvl3pPr>
-            <a:lvl4pPr marL="2016252" indent="0">
-              <a:buNone/>
-              <a:defRPr sz="2940"/>
+            <a:lvl4pPr marL="1097280" indent="0">
+              <a:buNone/>
+              <a:defRPr sz="1600"/>
             </a:lvl4pPr>
-            <a:lvl5pPr marL="2688336" indent="0">
-              <a:buNone/>
-              <a:defRPr sz="2940"/>
+            <a:lvl5pPr marL="1463040" indent="0">
+              <a:buNone/>
+              <a:defRPr sz="1600"/>
             </a:lvl5pPr>
-            <a:lvl6pPr marL="3360420" indent="0">
-              <a:buNone/>
-              <a:defRPr sz="2940"/>
+            <a:lvl6pPr marL="1828800" indent="0">
+              <a:buNone/>
+              <a:defRPr sz="1600"/>
             </a:lvl6pPr>
-            <a:lvl7pPr marL="4032504" indent="0">
-              <a:buNone/>
-              <a:defRPr sz="2940"/>
+            <a:lvl7pPr marL="2194560" indent="0">
+              <a:buNone/>
+              <a:defRPr sz="1600"/>
             </a:lvl7pPr>
-            <a:lvl8pPr marL="4704588" indent="0">
-              <a:buNone/>
-              <a:defRPr sz="2940"/>
+            <a:lvl8pPr marL="2560320" indent="0">
+              <a:buNone/>
+              <a:defRPr sz="1600"/>
             </a:lvl8pPr>
-            <a:lvl9pPr marL="5376672" indent="0">
-              <a:buNone/>
-              <a:defRPr sz="2940"/>
+            <a:lvl9pPr marL="2926080" indent="0">
+              <a:buNone/>
+              <a:defRPr sz="1600"/>
             </a:lvl9pPr>
           </a:lstStyle>
           <a:p>
@@ -2278,8 +2283,8 @@
         </p:nvSpPr>
         <p:spPr>
           <a:xfrm>
-            <a:off x="925845" y="4526280"/>
-            <a:ext cx="4335189" cy="8385494"/>
+            <a:off x="503873" y="3154680"/>
+            <a:ext cx="2359342" cy="5844435"/>
           </a:xfrm>
         </p:spPr>
         <p:txBody>
@@ -2287,39 +2292,39 @@
           <a:lstStyle>
             <a:lvl1pPr marL="0" indent="0">
               <a:buNone/>
-              <a:defRPr sz="2352"/>
+              <a:defRPr sz="1280"/>
             </a:lvl1pPr>
-            <a:lvl2pPr marL="672084" indent="0">
-              <a:buNone/>
-              <a:defRPr sz="2058"/>
+            <a:lvl2pPr marL="365760" indent="0">
+              <a:buNone/>
+              <a:defRPr sz="1120"/>
             </a:lvl2pPr>
-            <a:lvl3pPr marL="1344168" indent="0">
-              <a:buNone/>
-              <a:defRPr sz="1764"/>
+            <a:lvl3pPr marL="731520" indent="0">
+              <a:buNone/>
+              <a:defRPr sz="960"/>
             </a:lvl3pPr>
-            <a:lvl4pPr marL="2016252" indent="0">
-              <a:buNone/>
-              <a:defRPr sz="1470"/>
+            <a:lvl4pPr marL="1097280" indent="0">
+              <a:buNone/>
+              <a:defRPr sz="800"/>
             </a:lvl4pPr>
-            <a:lvl5pPr marL="2688336" indent="0">
-              <a:buNone/>
-              <a:defRPr sz="1470"/>
+            <a:lvl5pPr marL="1463040" indent="0">
+              <a:buNone/>
+              <a:defRPr sz="800"/>
             </a:lvl5pPr>
-            <a:lvl6pPr marL="3360420" indent="0">
-              <a:buNone/>
-              <a:defRPr sz="1470"/>
+            <a:lvl6pPr marL="1828800" indent="0">
+              <a:buNone/>
+              <a:defRPr sz="800"/>
             </a:lvl6pPr>
-            <a:lvl7pPr marL="4032504" indent="0">
-              <a:buNone/>
-              <a:defRPr sz="1470"/>
+            <a:lvl7pPr marL="2194560" indent="0">
+              <a:buNone/>
+              <a:defRPr sz="800"/>
             </a:lvl7pPr>
-            <a:lvl8pPr marL="4704588" indent="0">
-              <a:buNone/>
-              <a:defRPr sz="1470"/>
+            <a:lvl8pPr marL="2560320" indent="0">
+              <a:buNone/>
+              <a:defRPr sz="800"/>
             </a:lvl8pPr>
-            <a:lvl9pPr marL="5376672" indent="0">
-              <a:buNone/>
-              <a:defRPr sz="1470"/>
+            <a:lvl9pPr marL="2926080" indent="0">
+              <a:buNone/>
+              <a:defRPr sz="800"/>
             </a:lvl9pPr>
           </a:lstStyle>
           <a:p>
@@ -2348,7 +2353,7 @@
           <a:p>
             <a:fld id="{575672ED-15D8-4832-9371-7BFF7FFD4540}" type="datetimeFigureOut">
               <a:rPr lang="en-US" smtClean="0"/>
-              <a:t>3/5/2016</a:t>
+              <a:t>3/8/2016</a:t>
             </a:fld>
             <a:endParaRPr lang="en-US"/>
           </a:p>
@@ -2399,7 +2404,7 @@
     </p:spTree>
     <p:extLst>
       <p:ext uri="{BB962C8B-B14F-4D97-AF65-F5344CB8AC3E}">
-        <p14:creationId xmlns:p14="http://schemas.microsoft.com/office/powerpoint/2010/main" val="1633529619"/>
+        <p14:creationId xmlns:p14="http://schemas.microsoft.com/office/powerpoint/2010/main" val="492451909"/>
       </p:ext>
     </p:extLst>
   </p:cSld>
@@ -2443,8 +2448,8 @@
         </p:nvSpPr>
         <p:spPr>
           <a:xfrm>
-            <a:off x="924094" y="803278"/>
-            <a:ext cx="11593176" cy="2916239"/>
+            <a:off x="502920" y="559861"/>
+            <a:ext cx="6309360" cy="2032530"/>
           </a:xfrm>
           <a:prstGeom prst="rect">
             <a:avLst/>
@@ -2476,8 +2481,8 @@
         </p:nvSpPr>
         <p:spPr>
           <a:xfrm>
-            <a:off x="924094" y="4016375"/>
-            <a:ext cx="11593176" cy="9572944"/>
+            <a:off x="502920" y="2799291"/>
+            <a:ext cx="6309360" cy="6672052"/>
           </a:xfrm>
           <a:prstGeom prst="rect">
             <a:avLst/>
@@ -2538,8 +2543,8 @@
         </p:nvSpPr>
         <p:spPr>
           <a:xfrm>
-            <a:off x="924094" y="13983973"/>
-            <a:ext cx="3024307" cy="803275"/>
+            <a:off x="502920" y="9746406"/>
+            <a:ext cx="1645920" cy="559858"/>
           </a:xfrm>
           <a:prstGeom prst="rect">
             <a:avLst/>
@@ -2549,7 +2554,7 @@
           <a:bodyPr vert="horz" lIns="91440" tIns="45720" rIns="91440" bIns="45720" rtlCol="0" anchor="ctr"/>
           <a:lstStyle>
             <a:lvl1pPr algn="l">
-              <a:defRPr sz="1764">
+              <a:defRPr sz="960">
                 <a:solidFill>
                   <a:schemeClr val="tx1">
                     <a:tint val="75000"/>
@@ -2561,7 +2566,7 @@
           <a:p>
             <a:fld id="{575672ED-15D8-4832-9371-7BFF7FFD4540}" type="datetimeFigureOut">
               <a:rPr lang="en-US" smtClean="0"/>
-              <a:t>3/5/2016</a:t>
+              <a:t>3/8/2016</a:t>
             </a:fld>
             <a:endParaRPr lang="en-US"/>
           </a:p>
@@ -2579,8 +2584,8 @@
         </p:nvSpPr>
         <p:spPr>
           <a:xfrm>
-            <a:off x="4452452" y="13983973"/>
-            <a:ext cx="4536460" cy="803275"/>
+            <a:off x="2423160" y="9746406"/>
+            <a:ext cx="2468880" cy="559858"/>
           </a:xfrm>
           <a:prstGeom prst="rect">
             <a:avLst/>
@@ -2590,7 +2595,7 @@
           <a:bodyPr vert="horz" lIns="91440" tIns="45720" rIns="91440" bIns="45720" rtlCol="0" anchor="ctr"/>
           <a:lstStyle>
             <a:lvl1pPr algn="ctr">
-              <a:defRPr sz="1764">
+              <a:defRPr sz="960">
                 <a:solidFill>
                   <a:schemeClr val="tx1">
                     <a:tint val="75000"/>
@@ -2616,8 +2621,8 @@
         </p:nvSpPr>
         <p:spPr>
           <a:xfrm>
-            <a:off x="9492962" y="13983973"/>
-            <a:ext cx="3024307" cy="803275"/>
+            <a:off x="5166360" y="9746406"/>
+            <a:ext cx="1645920" cy="559858"/>
           </a:xfrm>
           <a:prstGeom prst="rect">
             <a:avLst/>
@@ -2627,7 +2632,7 @@
           <a:bodyPr vert="horz" lIns="91440" tIns="45720" rIns="91440" bIns="45720" rtlCol="0" anchor="ctr"/>
           <a:lstStyle>
             <a:lvl1pPr algn="r">
-              <a:defRPr sz="1764">
+              <a:defRPr sz="960">
                 <a:solidFill>
                   <a:schemeClr val="tx1">
                     <a:tint val="75000"/>
@@ -2648,27 +2653,27 @@
     </p:spTree>
     <p:extLst>
       <p:ext uri="{BB962C8B-B14F-4D97-AF65-F5344CB8AC3E}">
-        <p14:creationId xmlns:p14="http://schemas.microsoft.com/office/powerpoint/2010/main" val="2771506264"/>
+        <p14:creationId xmlns:p14="http://schemas.microsoft.com/office/powerpoint/2010/main" val="1125487558"/>
       </p:ext>
     </p:extLst>
   </p:cSld>
   <p:clrMap bg1="lt1" tx1="dk1" bg2="lt2" tx2="dk2" accent1="accent1" accent2="accent2" accent3="accent3" accent4="accent4" accent5="accent5" accent6="accent6" hlink="hlink" folHlink="folHlink"/>
   <p:sldLayoutIdLst>
-    <p:sldLayoutId id="2147483721" r:id="rId1"/>
-    <p:sldLayoutId id="2147483722" r:id="rId2"/>
-    <p:sldLayoutId id="2147483723" r:id="rId3"/>
-    <p:sldLayoutId id="2147483724" r:id="rId4"/>
-    <p:sldLayoutId id="2147483725" r:id="rId5"/>
-    <p:sldLayoutId id="2147483726" r:id="rId6"/>
-    <p:sldLayoutId id="2147483727" r:id="rId7"/>
-    <p:sldLayoutId id="2147483728" r:id="rId8"/>
-    <p:sldLayoutId id="2147483729" r:id="rId9"/>
-    <p:sldLayoutId id="2147483730" r:id="rId10"/>
-    <p:sldLayoutId id="2147483731" r:id="rId11"/>
+    <p:sldLayoutId id="2147483769" r:id="rId1"/>
+    <p:sldLayoutId id="2147483770" r:id="rId2"/>
+    <p:sldLayoutId id="2147483771" r:id="rId3"/>
+    <p:sldLayoutId id="2147483772" r:id="rId4"/>
+    <p:sldLayoutId id="2147483773" r:id="rId5"/>
+    <p:sldLayoutId id="2147483774" r:id="rId6"/>
+    <p:sldLayoutId id="2147483775" r:id="rId7"/>
+    <p:sldLayoutId id="2147483776" r:id="rId8"/>
+    <p:sldLayoutId id="2147483777" r:id="rId9"/>
+    <p:sldLayoutId id="2147483778" r:id="rId10"/>
+    <p:sldLayoutId id="2147483779" r:id="rId11"/>
   </p:sldLayoutIdLst>
   <p:txStyles>
     <p:titleStyle>
-      <a:lvl1pPr algn="l" defTabSz="1344168" rtl="0" eaLnBrk="1" latinLnBrk="0" hangingPunct="1">
+      <a:lvl1pPr algn="l" defTabSz="731520" rtl="0" eaLnBrk="1" latinLnBrk="0" hangingPunct="1">
         <a:lnSpc>
           <a:spcPct val="90000"/>
         </a:lnSpc>
@@ -2676,7 +2681,7 @@
           <a:spcPct val="0"/>
         </a:spcBef>
         <a:buNone/>
-        <a:defRPr sz="6468" kern="1200">
+        <a:defRPr sz="3520" kern="1200">
           <a:solidFill>
             <a:schemeClr val="tx1"/>
           </a:solidFill>
@@ -2687,16 +2692,16 @@
       </a:lvl1pPr>
     </p:titleStyle>
     <p:bodyStyle>
-      <a:lvl1pPr marL="336042" indent="-336042" algn="l" defTabSz="1344168" rtl="0" eaLnBrk="1" latinLnBrk="0" hangingPunct="1">
+      <a:lvl1pPr marL="182880" indent="-182880" algn="l" defTabSz="731520" rtl="0" eaLnBrk="1" latinLnBrk="0" hangingPunct="1">
         <a:lnSpc>
           <a:spcPct val="90000"/>
         </a:lnSpc>
         <a:spcBef>
-          <a:spcPts val="1470"/>
+          <a:spcPts val="800"/>
         </a:spcBef>
         <a:buFont typeface="Arial" panose="020B0604020202020204" pitchFamily="34" charset="0"/>
         <a:buChar char="•"/>
-        <a:defRPr sz="4116" kern="1200">
+        <a:defRPr sz="2240" kern="1200">
           <a:solidFill>
             <a:schemeClr val="tx1"/>
           </a:solidFill>
@@ -2705,16 +2710,16 @@
           <a:cs typeface="+mn-cs"/>
         </a:defRPr>
       </a:lvl1pPr>
-      <a:lvl2pPr marL="1008126" indent="-336042" algn="l" defTabSz="1344168" rtl="0" eaLnBrk="1" latinLnBrk="0" hangingPunct="1">
+      <a:lvl2pPr marL="548640" indent="-182880" algn="l" defTabSz="731520" rtl="0" eaLnBrk="1" latinLnBrk="0" hangingPunct="1">
         <a:lnSpc>
           <a:spcPct val="90000"/>
         </a:lnSpc>
         <a:spcBef>
-          <a:spcPts val="735"/>
+          <a:spcPts val="400"/>
         </a:spcBef>
         <a:buFont typeface="Arial" panose="020B0604020202020204" pitchFamily="34" charset="0"/>
         <a:buChar char="•"/>
-        <a:defRPr sz="3528" kern="1200">
+        <a:defRPr sz="1920" kern="1200">
           <a:solidFill>
             <a:schemeClr val="tx1"/>
           </a:solidFill>
@@ -2723,16 +2728,16 @@
           <a:cs typeface="+mn-cs"/>
         </a:defRPr>
       </a:lvl2pPr>
-      <a:lvl3pPr marL="1680210" indent="-336042" algn="l" defTabSz="1344168" rtl="0" eaLnBrk="1" latinLnBrk="0" hangingPunct="1">
+      <a:lvl3pPr marL="914400" indent="-182880" algn="l" defTabSz="731520" rtl="0" eaLnBrk="1" latinLnBrk="0" hangingPunct="1">
         <a:lnSpc>
           <a:spcPct val="90000"/>
         </a:lnSpc>
         <a:spcBef>
-          <a:spcPts val="735"/>
+          <a:spcPts val="400"/>
         </a:spcBef>
         <a:buFont typeface="Arial" panose="020B0604020202020204" pitchFamily="34" charset="0"/>
         <a:buChar char="•"/>
-        <a:defRPr sz="2940" kern="1200">
+        <a:defRPr sz="1600" kern="1200">
           <a:solidFill>
             <a:schemeClr val="tx1"/>
           </a:solidFill>
@@ -2741,16 +2746,16 @@
           <a:cs typeface="+mn-cs"/>
         </a:defRPr>
       </a:lvl3pPr>
-      <a:lvl4pPr marL="2352294" indent="-336042" algn="l" defTabSz="1344168" rtl="0" eaLnBrk="1" latinLnBrk="0" hangingPunct="1">
+      <a:lvl4pPr marL="1280160" indent="-182880" algn="l" defTabSz="731520" rtl="0" eaLnBrk="1" latinLnBrk="0" hangingPunct="1">
         <a:lnSpc>
           <a:spcPct val="90000"/>
         </a:lnSpc>
         <a:spcBef>
-          <a:spcPts val="735"/>
+          <a:spcPts val="400"/>
         </a:spcBef>
         <a:buFont typeface="Arial" panose="020B0604020202020204" pitchFamily="34" charset="0"/>
         <a:buChar char="•"/>
-        <a:defRPr sz="2646" kern="1200">
+        <a:defRPr sz="1440" kern="1200">
           <a:solidFill>
             <a:schemeClr val="tx1"/>
           </a:solidFill>
@@ -2759,16 +2764,16 @@
           <a:cs typeface="+mn-cs"/>
         </a:defRPr>
       </a:lvl4pPr>
-      <a:lvl5pPr marL="3024378" indent="-336042" algn="l" defTabSz="1344168" rtl="0" eaLnBrk="1" latinLnBrk="0" hangingPunct="1">
+      <a:lvl5pPr marL="1645920" indent="-182880" algn="l" defTabSz="731520" rtl="0" eaLnBrk="1" latinLnBrk="0" hangingPunct="1">
         <a:lnSpc>
           <a:spcPct val="90000"/>
         </a:lnSpc>
         <a:spcBef>
-          <a:spcPts val="735"/>
+          <a:spcPts val="400"/>
         </a:spcBef>
         <a:buFont typeface="Arial" panose="020B0604020202020204" pitchFamily="34" charset="0"/>
         <a:buChar char="•"/>
-        <a:defRPr sz="2646" kern="1200">
+        <a:defRPr sz="1440" kern="1200">
           <a:solidFill>
             <a:schemeClr val="tx1"/>
           </a:solidFill>
@@ -2777,16 +2782,16 @@
           <a:cs typeface="+mn-cs"/>
         </a:defRPr>
       </a:lvl5pPr>
-      <a:lvl6pPr marL="3696462" indent="-336042" algn="l" defTabSz="1344168" rtl="0" eaLnBrk="1" latinLnBrk="0" hangingPunct="1">
+      <a:lvl6pPr marL="2011680" indent="-182880" algn="l" defTabSz="731520" rtl="0" eaLnBrk="1" latinLnBrk="0" hangingPunct="1">
         <a:lnSpc>
           <a:spcPct val="90000"/>
         </a:lnSpc>
         <a:spcBef>
-          <a:spcPts val="735"/>
+          <a:spcPts val="400"/>
         </a:spcBef>
         <a:buFont typeface="Arial" panose="020B0604020202020204" pitchFamily="34" charset="0"/>
         <a:buChar char="•"/>
-        <a:defRPr sz="2646" kern="1200">
+        <a:defRPr sz="1440" kern="1200">
           <a:solidFill>
             <a:schemeClr val="tx1"/>
           </a:solidFill>
@@ -2795,16 +2800,16 @@
           <a:cs typeface="+mn-cs"/>
         </a:defRPr>
       </a:lvl6pPr>
-      <a:lvl7pPr marL="4368546" indent="-336042" algn="l" defTabSz="1344168" rtl="0" eaLnBrk="1" latinLnBrk="0" hangingPunct="1">
+      <a:lvl7pPr marL="2377440" indent="-182880" algn="l" defTabSz="731520" rtl="0" eaLnBrk="1" latinLnBrk="0" hangingPunct="1">
         <a:lnSpc>
           <a:spcPct val="90000"/>
         </a:lnSpc>
         <a:spcBef>
-          <a:spcPts val="735"/>
+          <a:spcPts val="400"/>
         </a:spcBef>
         <a:buFont typeface="Arial" panose="020B0604020202020204" pitchFamily="34" charset="0"/>
         <a:buChar char="•"/>
-        <a:defRPr sz="2646" kern="1200">
+        <a:defRPr sz="1440" kern="1200">
           <a:solidFill>
             <a:schemeClr val="tx1"/>
           </a:solidFill>
@@ -2813,16 +2818,16 @@
           <a:cs typeface="+mn-cs"/>
         </a:defRPr>
       </a:lvl7pPr>
-      <a:lvl8pPr marL="5040630" indent="-336042" algn="l" defTabSz="1344168" rtl="0" eaLnBrk="1" latinLnBrk="0" hangingPunct="1">
+      <a:lvl8pPr marL="2743200" indent="-182880" algn="l" defTabSz="731520" rtl="0" eaLnBrk="1" latinLnBrk="0" hangingPunct="1">
         <a:lnSpc>
           <a:spcPct val="90000"/>
         </a:lnSpc>
         <a:spcBef>
-          <a:spcPts val="735"/>
+          <a:spcPts val="400"/>
         </a:spcBef>
         <a:buFont typeface="Arial" panose="020B0604020202020204" pitchFamily="34" charset="0"/>
         <a:buChar char="•"/>
-        <a:defRPr sz="2646" kern="1200">
+        <a:defRPr sz="1440" kern="1200">
           <a:solidFill>
             <a:schemeClr val="tx1"/>
           </a:solidFill>
@@ -2831,16 +2836,16 @@
           <a:cs typeface="+mn-cs"/>
         </a:defRPr>
       </a:lvl8pPr>
-      <a:lvl9pPr marL="5712714" indent="-336042" algn="l" defTabSz="1344168" rtl="0" eaLnBrk="1" latinLnBrk="0" hangingPunct="1">
+      <a:lvl9pPr marL="3108960" indent="-182880" algn="l" defTabSz="731520" rtl="0" eaLnBrk="1" latinLnBrk="0" hangingPunct="1">
         <a:lnSpc>
           <a:spcPct val="90000"/>
         </a:lnSpc>
         <a:spcBef>
-          <a:spcPts val="735"/>
+          <a:spcPts val="400"/>
         </a:spcBef>
         <a:buFont typeface="Arial" panose="020B0604020202020204" pitchFamily="34" charset="0"/>
         <a:buChar char="•"/>
-        <a:defRPr sz="2646" kern="1200">
+        <a:defRPr sz="1440" kern="1200">
           <a:solidFill>
             <a:schemeClr val="tx1"/>
           </a:solidFill>
@@ -2854,8 +2859,8 @@
       <a:defPPr>
         <a:defRPr lang="en-US"/>
       </a:defPPr>
-      <a:lvl1pPr marL="0" algn="l" defTabSz="1344168" rtl="0" eaLnBrk="1" latinLnBrk="0" hangingPunct="1">
-        <a:defRPr sz="2646" kern="1200">
+      <a:lvl1pPr marL="0" algn="l" defTabSz="731520" rtl="0" eaLnBrk="1" latinLnBrk="0" hangingPunct="1">
+        <a:defRPr sz="1440" kern="1200">
           <a:solidFill>
             <a:schemeClr val="tx1"/>
           </a:solidFill>
@@ -2864,8 +2869,8 @@
           <a:cs typeface="+mn-cs"/>
         </a:defRPr>
       </a:lvl1pPr>
-      <a:lvl2pPr marL="672084" algn="l" defTabSz="1344168" rtl="0" eaLnBrk="1" latinLnBrk="0" hangingPunct="1">
-        <a:defRPr sz="2646" kern="1200">
+      <a:lvl2pPr marL="365760" algn="l" defTabSz="731520" rtl="0" eaLnBrk="1" latinLnBrk="0" hangingPunct="1">
+        <a:defRPr sz="1440" kern="1200">
           <a:solidFill>
             <a:schemeClr val="tx1"/>
           </a:solidFill>
@@ -2874,8 +2879,8 @@
           <a:cs typeface="+mn-cs"/>
         </a:defRPr>
       </a:lvl2pPr>
-      <a:lvl3pPr marL="1344168" algn="l" defTabSz="1344168" rtl="0" eaLnBrk="1" latinLnBrk="0" hangingPunct="1">
-        <a:defRPr sz="2646" kern="1200">
+      <a:lvl3pPr marL="731520" algn="l" defTabSz="731520" rtl="0" eaLnBrk="1" latinLnBrk="0" hangingPunct="1">
+        <a:defRPr sz="1440" kern="1200">
           <a:solidFill>
             <a:schemeClr val="tx1"/>
           </a:solidFill>
@@ -2884,8 +2889,8 @@
           <a:cs typeface="+mn-cs"/>
         </a:defRPr>
       </a:lvl3pPr>
-      <a:lvl4pPr marL="2016252" algn="l" defTabSz="1344168" rtl="0" eaLnBrk="1" latinLnBrk="0" hangingPunct="1">
-        <a:defRPr sz="2646" kern="1200">
+      <a:lvl4pPr marL="1097280" algn="l" defTabSz="731520" rtl="0" eaLnBrk="1" latinLnBrk="0" hangingPunct="1">
+        <a:defRPr sz="1440" kern="1200">
           <a:solidFill>
             <a:schemeClr val="tx1"/>
           </a:solidFill>
@@ -2894,8 +2899,8 @@
           <a:cs typeface="+mn-cs"/>
         </a:defRPr>
       </a:lvl4pPr>
-      <a:lvl5pPr marL="2688336" algn="l" defTabSz="1344168" rtl="0" eaLnBrk="1" latinLnBrk="0" hangingPunct="1">
-        <a:defRPr sz="2646" kern="1200">
+      <a:lvl5pPr marL="1463040" algn="l" defTabSz="731520" rtl="0" eaLnBrk="1" latinLnBrk="0" hangingPunct="1">
+        <a:defRPr sz="1440" kern="1200">
           <a:solidFill>
             <a:schemeClr val="tx1"/>
           </a:solidFill>
@@ -2904,8 +2909,8 @@
           <a:cs typeface="+mn-cs"/>
         </a:defRPr>
       </a:lvl5pPr>
-      <a:lvl6pPr marL="3360420" algn="l" defTabSz="1344168" rtl="0" eaLnBrk="1" latinLnBrk="0" hangingPunct="1">
-        <a:defRPr sz="2646" kern="1200">
+      <a:lvl6pPr marL="1828800" algn="l" defTabSz="731520" rtl="0" eaLnBrk="1" latinLnBrk="0" hangingPunct="1">
+        <a:defRPr sz="1440" kern="1200">
           <a:solidFill>
             <a:schemeClr val="tx1"/>
           </a:solidFill>
@@ -2914,8 +2919,8 @@
           <a:cs typeface="+mn-cs"/>
         </a:defRPr>
       </a:lvl6pPr>
-      <a:lvl7pPr marL="4032504" algn="l" defTabSz="1344168" rtl="0" eaLnBrk="1" latinLnBrk="0" hangingPunct="1">
-        <a:defRPr sz="2646" kern="1200">
+      <a:lvl7pPr marL="2194560" algn="l" defTabSz="731520" rtl="0" eaLnBrk="1" latinLnBrk="0" hangingPunct="1">
+        <a:defRPr sz="1440" kern="1200">
           <a:solidFill>
             <a:schemeClr val="tx1"/>
           </a:solidFill>
@@ -2924,8 +2929,8 @@
           <a:cs typeface="+mn-cs"/>
         </a:defRPr>
       </a:lvl7pPr>
-      <a:lvl8pPr marL="4704588" algn="l" defTabSz="1344168" rtl="0" eaLnBrk="1" latinLnBrk="0" hangingPunct="1">
-        <a:defRPr sz="2646" kern="1200">
+      <a:lvl8pPr marL="2560320" algn="l" defTabSz="731520" rtl="0" eaLnBrk="1" latinLnBrk="0" hangingPunct="1">
+        <a:defRPr sz="1440" kern="1200">
           <a:solidFill>
             <a:schemeClr val="tx1"/>
           </a:solidFill>
@@ -2934,8 +2939,8 @@
           <a:cs typeface="+mn-cs"/>
         </a:defRPr>
       </a:lvl8pPr>
-      <a:lvl9pPr marL="5376672" algn="l" defTabSz="1344168" rtl="0" eaLnBrk="1" latinLnBrk="0" hangingPunct="1">
-        <a:defRPr sz="2646" kern="1200">
+      <a:lvl9pPr marL="2926080" algn="l" defTabSz="731520" rtl="0" eaLnBrk="1" latinLnBrk="0" hangingPunct="1">
+        <a:defRPr sz="1440" kern="1200">
           <a:solidFill>
             <a:schemeClr val="tx1"/>
           </a:solidFill>
@@ -2968,389 +2973,206 @@
       </p:grpSpPr>
       <p:grpSp>
         <p:nvGrpSpPr>
-          <p:cNvPr id="18" name="Group 17"/>
+          <p:cNvPr id="22" name="Group 21"/>
           <p:cNvGrpSpPr/>
           <p:nvPr/>
         </p:nvGrpSpPr>
         <p:grpSpPr>
           <a:xfrm>
-            <a:off x="110331" y="171450"/>
-            <a:ext cx="13063254" cy="14731068"/>
-            <a:chOff x="1498695" y="-233456"/>
-            <a:chExt cx="8164534" cy="9206918"/>
+            <a:off x="-2018053" y="235322"/>
+            <a:ext cx="9220200" cy="10280278"/>
+            <a:chOff x="1502229" y="159024"/>
+            <a:chExt cx="9220200" cy="10280278"/>
           </a:xfrm>
         </p:grpSpPr>
+        <p:sp>
+          <p:nvSpPr>
+            <p:cNvPr id="5" name="TextBox 4"/>
+            <p:cNvSpPr txBox="1"/>
+            <p:nvPr/>
+          </p:nvSpPr>
+          <p:spPr>
+            <a:xfrm>
+              <a:off x="1502229" y="9443004"/>
+              <a:ext cx="9220200" cy="523220"/>
+            </a:xfrm>
+            <a:prstGeom prst="rect">
+              <a:avLst/>
+            </a:prstGeom>
+            <a:noFill/>
+          </p:spPr>
+          <p:txBody>
+            <a:bodyPr wrap="square" rtlCol="0">
+              <a:spAutoFit/>
+            </a:bodyPr>
+            <a:lstStyle/>
+            <a:p>
+              <a:r>
+                <a:rPr lang="en-US" sz="2800" dirty="0"/>
+                <a:t>                              0            50          100         150         200        250  </a:t>
+              </a:r>
+            </a:p>
+          </p:txBody>
+        </p:sp>
         <p:grpSp>
           <p:nvGrpSpPr>
-            <p:cNvPr id="16" name="Group 15"/>
+            <p:cNvPr id="10" name="Group 9"/>
             <p:cNvGrpSpPr/>
             <p:nvPr/>
           </p:nvGrpSpPr>
           <p:grpSpPr>
             <a:xfrm>
-              <a:off x="1498696" y="-233456"/>
-              <a:ext cx="8164533" cy="4011723"/>
-              <a:chOff x="1579236" y="753532"/>
-              <a:chExt cx="8164533" cy="4011723"/>
+              <a:off x="3529199" y="159024"/>
+              <a:ext cx="6900679" cy="10280278"/>
+              <a:chOff x="3529199" y="159024"/>
+              <a:chExt cx="6900679" cy="10280278"/>
             </a:xfrm>
           </p:grpSpPr>
           <p:pic>
             <p:nvPicPr>
-              <p:cNvPr id="4" name="Picture 3"/>
+              <p:cNvPr id="2" name="Picture 1"/>
               <p:cNvPicPr>
                 <a:picLocks noChangeAspect="1"/>
               </p:cNvPicPr>
               <p:nvPr/>
             </p:nvPicPr>
-            <p:blipFill rotWithShape="1">
+            <p:blipFill>
               <a:blip r:embed="rId2"/>
-              <a:srcRect r="10060" b="790"/>
-              <a:stretch/>
+              <a:stretch>
+                <a:fillRect/>
+              </a:stretch>
             </p:blipFill>
             <p:spPr>
               <a:xfrm rot="16200000">
-                <a:off x="3655641" y="-1322873"/>
-                <a:ext cx="4011723" cy="8164533"/>
+                <a:off x="4986341" y="-712514"/>
+                <a:ext cx="4572000" cy="6315075"/>
               </a:xfrm>
               <a:prstGeom prst="rect">
                 <a:avLst/>
               </a:prstGeom>
             </p:spPr>
           </p:pic>
-          <p:grpSp>
-            <p:nvGrpSpPr>
-              <p:cNvPr id="12" name="Group 11"/>
-              <p:cNvGrpSpPr/>
-              <p:nvPr/>
-            </p:nvGrpSpPr>
-            <p:grpSpPr>
-              <a:xfrm>
-                <a:off x="5378825" y="4395924"/>
-                <a:ext cx="1353670" cy="334707"/>
-                <a:chOff x="5378825" y="4395924"/>
-                <a:chExt cx="1353670" cy="334707"/>
-              </a:xfrm>
-            </p:grpSpPr>
-            <p:sp>
-              <p:nvSpPr>
-                <p:cNvPr id="6" name="Rectangle 5"/>
-                <p:cNvSpPr/>
-                <p:nvPr/>
-              </p:nvSpPr>
-              <p:spPr>
-                <a:xfrm>
-                  <a:off x="5378825" y="4436122"/>
-                  <a:ext cx="1353670" cy="288937"/>
-                </a:xfrm>
-                <a:prstGeom prst="rect">
-                  <a:avLst/>
-                </a:prstGeom>
-                <a:solidFill>
-                  <a:schemeClr val="bg1"/>
-                </a:solidFill>
-                <a:ln>
-                  <a:solidFill>
-                    <a:schemeClr val="bg1"/>
-                  </a:solidFill>
-                </a:ln>
-              </p:spPr>
-              <p:style>
-                <a:lnRef idx="2">
-                  <a:schemeClr val="accent1">
-                    <a:shade val="50000"/>
-                  </a:schemeClr>
-                </a:lnRef>
-                <a:fillRef idx="1">
-                  <a:schemeClr val="accent1"/>
-                </a:fillRef>
-                <a:effectRef idx="0">
-                  <a:schemeClr val="accent1"/>
-                </a:effectRef>
-                <a:fontRef idx="minor">
-                  <a:schemeClr val="lt1"/>
-                </a:fontRef>
-              </p:style>
-              <p:txBody>
-                <a:bodyPr rot="0" spcFirstLastPara="0" vertOverflow="overflow" horzOverflow="overflow" vert="horz" wrap="square" lIns="146304" tIns="73152" rIns="146304" bIns="73152" numCol="1" spcCol="0" rtlCol="0" fromWordArt="0" anchor="ctr" anchorCtr="0" forceAA="0" compatLnSpc="1">
-                  <a:prstTxWarp prst="textNoShape">
-                    <a:avLst/>
-                  </a:prstTxWarp>
-                  <a:noAutofit/>
-                </a:bodyPr>
-                <a:lstStyle/>
-                <a:p>
-                  <a:pPr algn="ctr"/>
-                  <a:endParaRPr lang="en-US" sz="2880"/>
-                </a:p>
-              </p:txBody>
-            </p:sp>
-            <p:sp>
-              <p:nvSpPr>
-                <p:cNvPr id="8" name="TextBox 7"/>
-                <p:cNvSpPr txBox="1"/>
-                <p:nvPr/>
-              </p:nvSpPr>
-              <p:spPr>
-                <a:xfrm>
-                  <a:off x="5576048" y="4395924"/>
-                  <a:ext cx="1156447" cy="334707"/>
-                </a:xfrm>
-                <a:prstGeom prst="rect">
-                  <a:avLst/>
-                </a:prstGeom>
-                <a:noFill/>
-              </p:spPr>
-              <p:txBody>
-                <a:bodyPr wrap="square" rtlCol="0">
-                  <a:spAutoFit/>
-                </a:bodyPr>
-                <a:lstStyle/>
-                <a:p>
-                  <a:r>
-                    <a:rPr lang="en-US" sz="2880" dirty="0"/>
-                    <a:t>Time (</a:t>
-                  </a:r>
-                  <a:r>
-                    <a:rPr lang="en-US" sz="2880" dirty="0" err="1"/>
-                    <a:t>ms</a:t>
-                  </a:r>
-                  <a:r>
-                    <a:rPr lang="en-US" sz="2880" dirty="0"/>
-                    <a:t>)</a:t>
-                  </a:r>
-                </a:p>
-              </p:txBody>
-            </p:sp>
-          </p:grpSp>
-        </p:grpSp>
-        <p:grpSp>
-          <p:nvGrpSpPr>
-            <p:cNvPr id="17" name="Group 16"/>
-            <p:cNvGrpSpPr/>
-            <p:nvPr/>
-          </p:nvGrpSpPr>
-          <p:grpSpPr>
-            <a:xfrm>
-              <a:off x="1498695" y="3818466"/>
-              <a:ext cx="8154702" cy="5154996"/>
-              <a:chOff x="1498697" y="603317"/>
-              <a:chExt cx="8154702" cy="5154996"/>
-            </a:xfrm>
-          </p:grpSpPr>
           <p:pic>
             <p:nvPicPr>
-              <p:cNvPr id="11" name="Picture 10"/>
+              <p:cNvPr id="3" name="Picture 2"/>
               <p:cNvPicPr>
                 <a:picLocks noChangeAspect="1"/>
               </p:cNvPicPr>
               <p:nvPr/>
             </p:nvPicPr>
-            <p:blipFill rotWithShape="1">
+            <p:blipFill>
               <a:blip r:embed="rId3"/>
-              <a:srcRect r="9949" b="1139"/>
-              <a:stretch/>
+              <a:stretch>
+                <a:fillRect/>
+              </a:stretch>
             </p:blipFill>
             <p:spPr>
               <a:xfrm rot="16200000">
-                <a:off x="2998550" y="-896536"/>
-                <a:ext cx="5154996" cy="8154702"/>
+                <a:off x="4985512" y="4018516"/>
+                <a:ext cx="4552950" cy="6296025"/>
               </a:xfrm>
               <a:prstGeom prst="rect">
                 <a:avLst/>
               </a:prstGeom>
             </p:spPr>
           </p:pic>
-          <p:grpSp>
-            <p:nvGrpSpPr>
-              <p:cNvPr id="13" name="Group 12"/>
-              <p:cNvGrpSpPr/>
+          <p:sp>
+            <p:nvSpPr>
+              <p:cNvPr id="7" name="TextBox 6"/>
+              <p:cNvSpPr txBox="1"/>
               <p:nvPr/>
-            </p:nvGrpSpPr>
-            <p:grpSpPr>
+            </p:nvSpPr>
+            <p:spPr>
               <a:xfrm>
-                <a:off x="5226425" y="5379151"/>
-                <a:ext cx="1353670" cy="334707"/>
-                <a:chOff x="5378825" y="4395924"/>
-                <a:chExt cx="1353670" cy="334707"/>
+                <a:off x="6636058" y="9854527"/>
+                <a:ext cx="1941885" cy="584775"/>
               </a:xfrm>
-            </p:grpSpPr>
-            <p:sp>
-              <p:nvSpPr>
-                <p:cNvPr id="14" name="Rectangle 13"/>
-                <p:cNvSpPr/>
-                <p:nvPr/>
-              </p:nvSpPr>
-              <p:spPr>
-                <a:xfrm>
-                  <a:off x="5378825" y="4436122"/>
-                  <a:ext cx="1353670" cy="288937"/>
-                </a:xfrm>
-                <a:prstGeom prst="rect">
-                  <a:avLst/>
-                </a:prstGeom>
-                <a:solidFill>
-                  <a:schemeClr val="bg1"/>
-                </a:solidFill>
-                <a:ln>
-                  <a:solidFill>
-                    <a:schemeClr val="bg1"/>
-                  </a:solidFill>
-                </a:ln>
-              </p:spPr>
-              <p:style>
-                <a:lnRef idx="2">
-                  <a:schemeClr val="accent1">
-                    <a:shade val="50000"/>
-                  </a:schemeClr>
-                </a:lnRef>
-                <a:fillRef idx="1">
-                  <a:schemeClr val="accent1"/>
-                </a:fillRef>
-                <a:effectRef idx="0">
-                  <a:schemeClr val="accent1"/>
-                </a:effectRef>
-                <a:fontRef idx="minor">
-                  <a:schemeClr val="lt1"/>
-                </a:fontRef>
-              </p:style>
-              <p:txBody>
-                <a:bodyPr rot="0" spcFirstLastPara="0" vertOverflow="overflow" horzOverflow="overflow" vert="horz" wrap="square" lIns="146304" tIns="73152" rIns="146304" bIns="73152" numCol="1" spcCol="0" rtlCol="0" fromWordArt="0" anchor="ctr" anchorCtr="0" forceAA="0" compatLnSpc="1">
-                  <a:prstTxWarp prst="textNoShape">
-                    <a:avLst/>
-                  </a:prstTxWarp>
-                  <a:noAutofit/>
-                </a:bodyPr>
-                <a:lstStyle/>
-                <a:p>
-                  <a:pPr algn="ctr"/>
-                  <a:endParaRPr lang="en-US" sz="2880"/>
-                </a:p>
-              </p:txBody>
-            </p:sp>
-            <p:sp>
-              <p:nvSpPr>
-                <p:cNvPr id="15" name="TextBox 14"/>
-                <p:cNvSpPr txBox="1"/>
-                <p:nvPr/>
-              </p:nvSpPr>
-              <p:spPr>
-                <a:xfrm>
-                  <a:off x="5576048" y="4395924"/>
-                  <a:ext cx="1156447" cy="334707"/>
-                </a:xfrm>
-                <a:prstGeom prst="rect">
-                  <a:avLst/>
-                </a:prstGeom>
-                <a:noFill/>
-              </p:spPr>
-              <p:txBody>
-                <a:bodyPr wrap="square" rtlCol="0">
-                  <a:spAutoFit/>
-                </a:bodyPr>
-                <a:lstStyle/>
-                <a:p>
-                  <a:r>
-                    <a:rPr lang="en-US" sz="2880" dirty="0"/>
-                    <a:t>Time (</a:t>
-                  </a:r>
-                  <a:r>
-                    <a:rPr lang="en-US" sz="2880" dirty="0" err="1"/>
-                    <a:t>ms</a:t>
-                  </a:r>
-                  <a:r>
-                    <a:rPr lang="en-US" sz="2880" dirty="0"/>
-                    <a:t>)</a:t>
-                  </a:r>
-                </a:p>
-              </p:txBody>
-            </p:sp>
-          </p:grpSp>
+              <a:prstGeom prst="rect">
+                <a:avLst/>
+              </a:prstGeom>
+              <a:noFill/>
+            </p:spPr>
+            <p:txBody>
+              <a:bodyPr wrap="square" rtlCol="0">
+                <a:spAutoFit/>
+              </a:bodyPr>
+              <a:lstStyle/>
+              <a:p>
+                <a:r>
+                  <a:rPr lang="en-US" sz="3200" dirty="0"/>
+                  <a:t>Time (</a:t>
+                </a:r>
+                <a:r>
+                  <a:rPr lang="en-US" sz="3200" dirty="0" err="1"/>
+                  <a:t>ms</a:t>
+                </a:r>
+                <a:r>
+                  <a:rPr lang="en-US" sz="3200" dirty="0"/>
+                  <a:t>)</a:t>
+                </a:r>
+              </a:p>
+            </p:txBody>
+          </p:sp>
+          <p:sp>
+            <p:nvSpPr>
+              <p:cNvPr id="9" name="TextBox 8"/>
+              <p:cNvSpPr txBox="1"/>
+              <p:nvPr/>
+            </p:nvSpPr>
+            <p:spPr>
+              <a:xfrm rot="16200000">
+                <a:off x="2536370" y="6874141"/>
+                <a:ext cx="2612572" cy="584775"/>
+              </a:xfrm>
+              <a:prstGeom prst="rect">
+                <a:avLst/>
+              </a:prstGeom>
+              <a:noFill/>
+            </p:spPr>
+            <p:txBody>
+              <a:bodyPr wrap="square" rtlCol="0">
+                <a:spAutoFit/>
+              </a:bodyPr>
+              <a:lstStyle/>
+              <a:p>
+                <a:r>
+                  <a:rPr lang="en-US" sz="3200" dirty="0"/>
+                  <a:t>Drone System</a:t>
+                </a:r>
+              </a:p>
+            </p:txBody>
+          </p:sp>
+          <p:sp>
+            <p:nvSpPr>
+              <p:cNvPr id="21" name="TextBox 20"/>
+              <p:cNvSpPr txBox="1"/>
+              <p:nvPr/>
+            </p:nvSpPr>
+            <p:spPr>
+              <a:xfrm rot="16200000">
+                <a:off x="2112530" y="2152635"/>
+                <a:ext cx="3418113" cy="584775"/>
+              </a:xfrm>
+              <a:prstGeom prst="rect">
+                <a:avLst/>
+              </a:prstGeom>
+              <a:noFill/>
+            </p:spPr>
+            <p:txBody>
+              <a:bodyPr wrap="square" rtlCol="0">
+                <a:spAutoFit/>
+              </a:bodyPr>
+              <a:lstStyle/>
+              <a:p>
+                <a:r>
+                  <a:rPr lang="en-US" sz="3200" dirty="0"/>
+                  <a:t>Traditional  System</a:t>
+                </a:r>
+              </a:p>
+            </p:txBody>
+          </p:sp>
         </p:grpSp>
       </p:grpSp>
-      <p:sp>
-        <p:nvSpPr>
-          <p:cNvPr id="19" name="TextBox 18"/>
-          <p:cNvSpPr txBox="1"/>
-          <p:nvPr/>
-        </p:nvSpPr>
-        <p:spPr>
-          <a:xfrm>
-            <a:off x="110331" y="0"/>
-            <a:ext cx="842169" cy="523220"/>
-          </a:xfrm>
-          <a:prstGeom prst="rect">
-            <a:avLst/>
-          </a:prstGeom>
-          <a:noFill/>
-        </p:spPr>
-        <p:txBody>
-          <a:bodyPr wrap="square" rtlCol="0">
-            <a:spAutoFit/>
-          </a:bodyPr>
-          <a:lstStyle/>
-          <a:p>
-            <a:r>
-              <a:rPr lang="en-US" sz="2800" dirty="0" smtClean="0">
-                <a:solidFill>
-                  <a:srgbClr val="FF0000"/>
-                </a:solidFill>
-              </a:rPr>
-              <a:t>a.</a:t>
-            </a:r>
-            <a:endParaRPr lang="en-US" sz="2800" dirty="0">
-              <a:solidFill>
-                <a:srgbClr val="FF0000"/>
-              </a:solidFill>
-            </a:endParaRPr>
-          </a:p>
-        </p:txBody>
-      </p:sp>
-      <p:sp>
-        <p:nvSpPr>
-          <p:cNvPr id="20" name="TextBox 19"/>
-          <p:cNvSpPr txBox="1"/>
-          <p:nvPr/>
-        </p:nvSpPr>
-        <p:spPr>
-          <a:xfrm>
-            <a:off x="110330" y="6590206"/>
-            <a:ext cx="842169" cy="523220"/>
-          </a:xfrm>
-          <a:prstGeom prst="rect">
-            <a:avLst/>
-          </a:prstGeom>
-          <a:noFill/>
-        </p:spPr>
-        <p:txBody>
-          <a:bodyPr wrap="square" rtlCol="0">
-            <a:spAutoFit/>
-          </a:bodyPr>
-          <a:lstStyle/>
-          <a:p>
-            <a:r>
-              <a:rPr lang="en-US" sz="2800" dirty="0">
-                <a:solidFill>
-                  <a:srgbClr val="FF0000"/>
-                </a:solidFill>
-              </a:rPr>
-              <a:t>b</a:t>
-            </a:r>
-            <a:r>
-              <a:rPr lang="en-US" sz="2800" dirty="0" smtClean="0">
-                <a:solidFill>
-                  <a:srgbClr val="FF0000"/>
-                </a:solidFill>
-              </a:rPr>
-              <a:t>.</a:t>
-            </a:r>
-            <a:endParaRPr lang="en-US" sz="2800" dirty="0">
-              <a:solidFill>
-                <a:srgbClr val="FF0000"/>
-              </a:solidFill>
-            </a:endParaRPr>
-          </a:p>
-        </p:txBody>
-      </p:sp>
     </p:spTree>
     <p:extLst>
       <p:ext uri="{BB962C8B-B14F-4D97-AF65-F5344CB8AC3E}">

--- a/Seismic Drones/CASE-2016/pictures/shot_gather_compare.pptx
+++ b/Seismic Drones/CASE-2016/pictures/shot_gather_compare.pptx
@@ -2,19 +2,19 @@
 <file path=ppt/presentation.xml><?xml version="1.0" encoding="utf-8"?>
 <p:presentation xmlns:a="http://schemas.openxmlformats.org/drawingml/2006/main" xmlns:r="http://schemas.openxmlformats.org/officeDocument/2006/relationships" xmlns:p="http://schemas.openxmlformats.org/presentationml/2006/main" saveSubsetFonts="1">
   <p:sldMasterIdLst>
-    <p:sldMasterId id="2147483768" r:id="rId1"/>
+    <p:sldMasterId id="2147483804" r:id="rId1"/>
   </p:sldMasterIdLst>
   <p:sldIdLst>
     <p:sldId id="256" r:id="rId2"/>
   </p:sldIdLst>
-  <p:sldSz cx="7315200" cy="10515600"/>
+  <p:sldSz cx="7223125" cy="8047038"/>
   <p:notesSz cx="6858000" cy="9144000"/>
   <p:defaultTextStyle>
     <a:defPPr>
       <a:defRPr lang="en-US"/>
     </a:defPPr>
-    <a:lvl1pPr marL="0" algn="l" defTabSz="692299" rtl="0" eaLnBrk="1" latinLnBrk="0" hangingPunct="1">
-      <a:defRPr sz="1362" kern="1200">
+    <a:lvl1pPr marL="0" algn="l" defTabSz="680045" rtl="0" eaLnBrk="1" latinLnBrk="0" hangingPunct="1">
+      <a:defRPr sz="1338" kern="1200">
         <a:solidFill>
           <a:schemeClr val="tx1"/>
         </a:solidFill>
@@ -23,8 +23,8 @@
         <a:cs typeface="+mn-cs"/>
       </a:defRPr>
     </a:lvl1pPr>
-    <a:lvl2pPr marL="346150" algn="l" defTabSz="692299" rtl="0" eaLnBrk="1" latinLnBrk="0" hangingPunct="1">
-      <a:defRPr sz="1362" kern="1200">
+    <a:lvl2pPr marL="340023" algn="l" defTabSz="680045" rtl="0" eaLnBrk="1" latinLnBrk="0" hangingPunct="1">
+      <a:defRPr sz="1338" kern="1200">
         <a:solidFill>
           <a:schemeClr val="tx1"/>
         </a:solidFill>
@@ -33,8 +33,8 @@
         <a:cs typeface="+mn-cs"/>
       </a:defRPr>
     </a:lvl2pPr>
-    <a:lvl3pPr marL="692299" algn="l" defTabSz="692299" rtl="0" eaLnBrk="1" latinLnBrk="0" hangingPunct="1">
-      <a:defRPr sz="1362" kern="1200">
+    <a:lvl3pPr marL="680045" algn="l" defTabSz="680045" rtl="0" eaLnBrk="1" latinLnBrk="0" hangingPunct="1">
+      <a:defRPr sz="1338" kern="1200">
         <a:solidFill>
           <a:schemeClr val="tx1"/>
         </a:solidFill>
@@ -43,8 +43,8 @@
         <a:cs typeface="+mn-cs"/>
       </a:defRPr>
     </a:lvl3pPr>
-    <a:lvl4pPr marL="1038448" algn="l" defTabSz="692299" rtl="0" eaLnBrk="1" latinLnBrk="0" hangingPunct="1">
-      <a:defRPr sz="1362" kern="1200">
+    <a:lvl4pPr marL="1020067" algn="l" defTabSz="680045" rtl="0" eaLnBrk="1" latinLnBrk="0" hangingPunct="1">
+      <a:defRPr sz="1338" kern="1200">
         <a:solidFill>
           <a:schemeClr val="tx1"/>
         </a:solidFill>
@@ -53,8 +53,8 @@
         <a:cs typeface="+mn-cs"/>
       </a:defRPr>
     </a:lvl4pPr>
-    <a:lvl5pPr marL="1384597" algn="l" defTabSz="692299" rtl="0" eaLnBrk="1" latinLnBrk="0" hangingPunct="1">
-      <a:defRPr sz="1362" kern="1200">
+    <a:lvl5pPr marL="1360090" algn="l" defTabSz="680045" rtl="0" eaLnBrk="1" latinLnBrk="0" hangingPunct="1">
+      <a:defRPr sz="1338" kern="1200">
         <a:solidFill>
           <a:schemeClr val="tx1"/>
         </a:solidFill>
@@ -63,8 +63,8 @@
         <a:cs typeface="+mn-cs"/>
       </a:defRPr>
     </a:lvl5pPr>
-    <a:lvl6pPr marL="1730747" algn="l" defTabSz="692299" rtl="0" eaLnBrk="1" latinLnBrk="0" hangingPunct="1">
-      <a:defRPr sz="1362" kern="1200">
+    <a:lvl6pPr marL="1700113" algn="l" defTabSz="680045" rtl="0" eaLnBrk="1" latinLnBrk="0" hangingPunct="1">
+      <a:defRPr sz="1338" kern="1200">
         <a:solidFill>
           <a:schemeClr val="tx1"/>
         </a:solidFill>
@@ -73,8 +73,8 @@
         <a:cs typeface="+mn-cs"/>
       </a:defRPr>
     </a:lvl6pPr>
-    <a:lvl7pPr marL="2076896" algn="l" defTabSz="692299" rtl="0" eaLnBrk="1" latinLnBrk="0" hangingPunct="1">
-      <a:defRPr sz="1362" kern="1200">
+    <a:lvl7pPr marL="2040135" algn="l" defTabSz="680045" rtl="0" eaLnBrk="1" latinLnBrk="0" hangingPunct="1">
+      <a:defRPr sz="1338" kern="1200">
         <a:solidFill>
           <a:schemeClr val="tx1"/>
         </a:solidFill>
@@ -83,8 +83,8 @@
         <a:cs typeface="+mn-cs"/>
       </a:defRPr>
     </a:lvl7pPr>
-    <a:lvl8pPr marL="2423046" algn="l" defTabSz="692299" rtl="0" eaLnBrk="1" latinLnBrk="0" hangingPunct="1">
-      <a:defRPr sz="1362" kern="1200">
+    <a:lvl8pPr marL="2380158" algn="l" defTabSz="680045" rtl="0" eaLnBrk="1" latinLnBrk="0" hangingPunct="1">
+      <a:defRPr sz="1338" kern="1200">
         <a:solidFill>
           <a:schemeClr val="tx1"/>
         </a:solidFill>
@@ -93,8 +93,8 @@
         <a:cs typeface="+mn-cs"/>
       </a:defRPr>
     </a:lvl8pPr>
-    <a:lvl9pPr marL="2769196" algn="l" defTabSz="692299" rtl="0" eaLnBrk="1" latinLnBrk="0" hangingPunct="1">
-      <a:defRPr sz="1362" kern="1200">
+    <a:lvl9pPr marL="2720181" algn="l" defTabSz="680045" rtl="0" eaLnBrk="1" latinLnBrk="0" hangingPunct="1">
+      <a:defRPr sz="1338" kern="1200">
         <a:solidFill>
           <a:schemeClr val="tx1"/>
         </a:solidFill>
@@ -141,15 +141,15 @@
         </p:nvSpPr>
         <p:spPr>
           <a:xfrm>
-            <a:off x="548640" y="1720956"/>
-            <a:ext cx="6217920" cy="3660987"/>
+            <a:off x="541735" y="1316958"/>
+            <a:ext cx="6139656" cy="2801561"/>
           </a:xfrm>
         </p:spPr>
         <p:txBody>
           <a:bodyPr anchor="b"/>
           <a:lstStyle>
             <a:lvl1pPr algn="ctr">
-              <a:defRPr sz="4800"/>
+              <a:defRPr sz="4739"/>
             </a:lvl1pPr>
           </a:lstStyle>
           <a:p>
@@ -173,8 +173,8 @@
         </p:nvSpPr>
         <p:spPr>
           <a:xfrm>
-            <a:off x="914400" y="5523125"/>
-            <a:ext cx="5486400" cy="2538835"/>
+            <a:off x="902891" y="4226558"/>
+            <a:ext cx="5417344" cy="1942838"/>
           </a:xfrm>
         </p:spPr>
         <p:txBody>
@@ -182,39 +182,39 @@
           <a:lstStyle>
             <a:lvl1pPr marL="0" indent="0" algn="ctr">
               <a:buNone/>
-              <a:defRPr sz="1920"/>
+              <a:defRPr sz="1896"/>
             </a:lvl1pPr>
-            <a:lvl2pPr marL="365760" indent="0" algn="ctr">
-              <a:buNone/>
-              <a:defRPr sz="1600"/>
+            <a:lvl2pPr marL="361142" indent="0" algn="ctr">
+              <a:buNone/>
+              <a:defRPr sz="1580"/>
             </a:lvl2pPr>
-            <a:lvl3pPr marL="731520" indent="0" algn="ctr">
-              <a:buNone/>
-              <a:defRPr sz="1440"/>
+            <a:lvl3pPr marL="722285" indent="0" algn="ctr">
+              <a:buNone/>
+              <a:defRPr sz="1422"/>
             </a:lvl3pPr>
-            <a:lvl4pPr marL="1097280" indent="0" algn="ctr">
-              <a:buNone/>
-              <a:defRPr sz="1280"/>
+            <a:lvl4pPr marL="1083427" indent="0" algn="ctr">
+              <a:buNone/>
+              <a:defRPr sz="1264"/>
             </a:lvl4pPr>
-            <a:lvl5pPr marL="1463040" indent="0" algn="ctr">
-              <a:buNone/>
-              <a:defRPr sz="1280"/>
+            <a:lvl5pPr marL="1444569" indent="0" algn="ctr">
+              <a:buNone/>
+              <a:defRPr sz="1264"/>
             </a:lvl5pPr>
-            <a:lvl6pPr marL="1828800" indent="0" algn="ctr">
-              <a:buNone/>
-              <a:defRPr sz="1280"/>
+            <a:lvl6pPr marL="1805711" indent="0" algn="ctr">
+              <a:buNone/>
+              <a:defRPr sz="1264"/>
             </a:lvl6pPr>
-            <a:lvl7pPr marL="2194560" indent="0" algn="ctr">
-              <a:buNone/>
-              <a:defRPr sz="1280"/>
+            <a:lvl7pPr marL="2166854" indent="0" algn="ctr">
+              <a:buNone/>
+              <a:defRPr sz="1264"/>
             </a:lvl7pPr>
-            <a:lvl8pPr marL="2560320" indent="0" algn="ctr">
-              <a:buNone/>
-              <a:defRPr sz="1280"/>
+            <a:lvl8pPr marL="2527996" indent="0" algn="ctr">
+              <a:buNone/>
+              <a:defRPr sz="1264"/>
             </a:lvl8pPr>
-            <a:lvl9pPr marL="2926080" indent="0" algn="ctr">
-              <a:buNone/>
-              <a:defRPr sz="1280"/>
+            <a:lvl9pPr marL="2889138" indent="0" algn="ctr">
+              <a:buNone/>
+              <a:defRPr sz="1264"/>
             </a:lvl9pPr>
           </a:lstStyle>
           <a:p>
@@ -243,7 +243,7 @@
           <a:p>
             <a:fld id="{575672ED-15D8-4832-9371-7BFF7FFD4540}" type="datetimeFigureOut">
               <a:rPr lang="en-US" smtClean="0"/>
-              <a:t>3/8/2016</a:t>
+              <a:t>6/29/2016</a:t>
             </a:fld>
             <a:endParaRPr lang="en-US"/>
           </a:p>
@@ -294,7 +294,7 @@
     </p:spTree>
     <p:extLst>
       <p:ext uri="{BB962C8B-B14F-4D97-AF65-F5344CB8AC3E}">
-        <p14:creationId xmlns:p14="http://schemas.microsoft.com/office/powerpoint/2010/main" val="2727840736"/>
+        <p14:creationId xmlns:p14="http://schemas.microsoft.com/office/powerpoint/2010/main" val="2570740563"/>
       </p:ext>
     </p:extLst>
   </p:cSld>
@@ -413,7 +413,7 @@
           <a:p>
             <a:fld id="{575672ED-15D8-4832-9371-7BFF7FFD4540}" type="datetimeFigureOut">
               <a:rPr lang="en-US" smtClean="0"/>
-              <a:t>3/8/2016</a:t>
+              <a:t>6/29/2016</a:t>
             </a:fld>
             <a:endParaRPr lang="en-US"/>
           </a:p>
@@ -464,7 +464,7 @@
     </p:spTree>
     <p:extLst>
       <p:ext uri="{BB962C8B-B14F-4D97-AF65-F5344CB8AC3E}">
-        <p14:creationId xmlns:p14="http://schemas.microsoft.com/office/powerpoint/2010/main" val="3762849981"/>
+        <p14:creationId xmlns:p14="http://schemas.microsoft.com/office/powerpoint/2010/main" val="2086644892"/>
       </p:ext>
     </p:extLst>
   </p:cSld>
@@ -503,8 +503,8 @@
         </p:nvSpPr>
         <p:spPr>
           <a:xfrm>
-            <a:off x="5234940" y="559858"/>
-            <a:ext cx="1577340" cy="8911485"/>
+            <a:off x="5169049" y="428430"/>
+            <a:ext cx="1557486" cy="6819493"/>
           </a:xfrm>
         </p:spPr>
         <p:txBody>
@@ -531,8 +531,8 @@
         </p:nvSpPr>
         <p:spPr>
           <a:xfrm>
-            <a:off x="502920" y="559858"/>
-            <a:ext cx="4640580" cy="8911485"/>
+            <a:off x="496590" y="428430"/>
+            <a:ext cx="4582170" cy="6819493"/>
           </a:xfrm>
         </p:spPr>
         <p:txBody>
@@ -593,7 +593,7 @@
           <a:p>
             <a:fld id="{575672ED-15D8-4832-9371-7BFF7FFD4540}" type="datetimeFigureOut">
               <a:rPr lang="en-US" smtClean="0"/>
-              <a:t>3/8/2016</a:t>
+              <a:t>6/29/2016</a:t>
             </a:fld>
             <a:endParaRPr lang="en-US"/>
           </a:p>
@@ -644,7 +644,7 @@
     </p:spTree>
     <p:extLst>
       <p:ext uri="{BB962C8B-B14F-4D97-AF65-F5344CB8AC3E}">
-        <p14:creationId xmlns:p14="http://schemas.microsoft.com/office/powerpoint/2010/main" val="1143850956"/>
+        <p14:creationId xmlns:p14="http://schemas.microsoft.com/office/powerpoint/2010/main" val="1352336385"/>
       </p:ext>
     </p:extLst>
   </p:cSld>
@@ -763,7 +763,7 @@
           <a:p>
             <a:fld id="{575672ED-15D8-4832-9371-7BFF7FFD4540}" type="datetimeFigureOut">
               <a:rPr lang="en-US" smtClean="0"/>
-              <a:t>3/8/2016</a:t>
+              <a:t>6/29/2016</a:t>
             </a:fld>
             <a:endParaRPr lang="en-US"/>
           </a:p>
@@ -814,7 +814,7 @@
     </p:spTree>
     <p:extLst>
       <p:ext uri="{BB962C8B-B14F-4D97-AF65-F5344CB8AC3E}">
-        <p14:creationId xmlns:p14="http://schemas.microsoft.com/office/powerpoint/2010/main" val="1355700425"/>
+        <p14:creationId xmlns:p14="http://schemas.microsoft.com/office/powerpoint/2010/main" val="1616028046"/>
       </p:ext>
     </p:extLst>
   </p:cSld>
@@ -853,15 +853,15 @@
         </p:nvSpPr>
         <p:spPr>
           <a:xfrm>
-            <a:off x="499110" y="2621600"/>
-            <a:ext cx="6309360" cy="4374197"/>
+            <a:off x="492828" y="2006173"/>
+            <a:ext cx="6229945" cy="3347344"/>
           </a:xfrm>
         </p:spPr>
         <p:txBody>
           <a:bodyPr anchor="b"/>
           <a:lstStyle>
             <a:lvl1pPr>
-              <a:defRPr sz="4800"/>
+              <a:defRPr sz="4739"/>
             </a:lvl1pPr>
           </a:lstStyle>
           <a:p>
@@ -885,8 +885,8 @@
         </p:nvSpPr>
         <p:spPr>
           <a:xfrm>
-            <a:off x="499110" y="7037179"/>
-            <a:ext cx="6309360" cy="2300287"/>
+            <a:off x="492828" y="5385184"/>
+            <a:ext cx="6229945" cy="1760289"/>
           </a:xfrm>
         </p:spPr>
         <p:txBody>
@@ -894,15 +894,15 @@
           <a:lstStyle>
             <a:lvl1pPr marL="0" indent="0">
               <a:buNone/>
-              <a:defRPr sz="1920">
+              <a:defRPr sz="1896">
                 <a:solidFill>
                   <a:schemeClr val="tx1"/>
                 </a:solidFill>
               </a:defRPr>
             </a:lvl1pPr>
-            <a:lvl2pPr marL="365760" indent="0">
-              <a:buNone/>
-              <a:defRPr sz="1600">
+            <a:lvl2pPr marL="361142" indent="0">
+              <a:buNone/>
+              <a:defRPr sz="1580">
                 <a:solidFill>
                   <a:schemeClr val="tx1">
                     <a:tint val="75000"/>
@@ -910,9 +910,9 @@
                 </a:solidFill>
               </a:defRPr>
             </a:lvl2pPr>
-            <a:lvl3pPr marL="731520" indent="0">
-              <a:buNone/>
-              <a:defRPr sz="1440">
+            <a:lvl3pPr marL="722285" indent="0">
+              <a:buNone/>
+              <a:defRPr sz="1422">
                 <a:solidFill>
                   <a:schemeClr val="tx1">
                     <a:tint val="75000"/>
@@ -920,9 +920,9 @@
                 </a:solidFill>
               </a:defRPr>
             </a:lvl3pPr>
-            <a:lvl4pPr marL="1097280" indent="0">
-              <a:buNone/>
-              <a:defRPr sz="1280">
+            <a:lvl4pPr marL="1083427" indent="0">
+              <a:buNone/>
+              <a:defRPr sz="1264">
                 <a:solidFill>
                   <a:schemeClr val="tx1">
                     <a:tint val="75000"/>
@@ -930,9 +930,9 @@
                 </a:solidFill>
               </a:defRPr>
             </a:lvl4pPr>
-            <a:lvl5pPr marL="1463040" indent="0">
-              <a:buNone/>
-              <a:defRPr sz="1280">
+            <a:lvl5pPr marL="1444569" indent="0">
+              <a:buNone/>
+              <a:defRPr sz="1264">
                 <a:solidFill>
                   <a:schemeClr val="tx1">
                     <a:tint val="75000"/>
@@ -940,9 +940,9 @@
                 </a:solidFill>
               </a:defRPr>
             </a:lvl5pPr>
-            <a:lvl6pPr marL="1828800" indent="0">
-              <a:buNone/>
-              <a:defRPr sz="1280">
+            <a:lvl6pPr marL="1805711" indent="0">
+              <a:buNone/>
+              <a:defRPr sz="1264">
                 <a:solidFill>
                   <a:schemeClr val="tx1">
                     <a:tint val="75000"/>
@@ -950,9 +950,9 @@
                 </a:solidFill>
               </a:defRPr>
             </a:lvl6pPr>
-            <a:lvl7pPr marL="2194560" indent="0">
-              <a:buNone/>
-              <a:defRPr sz="1280">
+            <a:lvl7pPr marL="2166854" indent="0">
+              <a:buNone/>
+              <a:defRPr sz="1264">
                 <a:solidFill>
                   <a:schemeClr val="tx1">
                     <a:tint val="75000"/>
@@ -960,9 +960,9 @@
                 </a:solidFill>
               </a:defRPr>
             </a:lvl7pPr>
-            <a:lvl8pPr marL="2560320" indent="0">
-              <a:buNone/>
-              <a:defRPr sz="1280">
+            <a:lvl8pPr marL="2527996" indent="0">
+              <a:buNone/>
+              <a:defRPr sz="1264">
                 <a:solidFill>
                   <a:schemeClr val="tx1">
                     <a:tint val="75000"/>
@@ -970,9 +970,9 @@
                 </a:solidFill>
               </a:defRPr>
             </a:lvl8pPr>
-            <a:lvl9pPr marL="2926080" indent="0">
-              <a:buNone/>
-              <a:defRPr sz="1280">
+            <a:lvl9pPr marL="2889138" indent="0">
+              <a:buNone/>
+              <a:defRPr sz="1264">
                 <a:solidFill>
                   <a:schemeClr val="tx1">
                     <a:tint val="75000"/>
@@ -1007,7 +1007,7 @@
           <a:p>
             <a:fld id="{575672ED-15D8-4832-9371-7BFF7FFD4540}" type="datetimeFigureOut">
               <a:rPr lang="en-US" smtClean="0"/>
-              <a:t>3/8/2016</a:t>
+              <a:t>6/29/2016</a:t>
             </a:fld>
             <a:endParaRPr lang="en-US"/>
           </a:p>
@@ -1058,7 +1058,7 @@
     </p:spTree>
     <p:extLst>
       <p:ext uri="{BB962C8B-B14F-4D97-AF65-F5344CB8AC3E}">
-        <p14:creationId xmlns:p14="http://schemas.microsoft.com/office/powerpoint/2010/main" val="1561072268"/>
+        <p14:creationId xmlns:p14="http://schemas.microsoft.com/office/powerpoint/2010/main" val="1973150665"/>
       </p:ext>
     </p:extLst>
   </p:cSld>
@@ -1120,8 +1120,8 @@
         </p:nvSpPr>
         <p:spPr>
           <a:xfrm>
-            <a:off x="502920" y="2799291"/>
-            <a:ext cx="3108960" cy="6672052"/>
+            <a:off x="496590" y="2142151"/>
+            <a:ext cx="3069828" cy="5105772"/>
           </a:xfrm>
         </p:spPr>
         <p:txBody>
@@ -1177,8 +1177,8 @@
         </p:nvSpPr>
         <p:spPr>
           <a:xfrm>
-            <a:off x="3703320" y="2799291"/>
-            <a:ext cx="3108960" cy="6672052"/>
+            <a:off x="3656707" y="2142151"/>
+            <a:ext cx="3069828" cy="5105772"/>
           </a:xfrm>
         </p:spPr>
         <p:txBody>
@@ -1239,7 +1239,7 @@
           <a:p>
             <a:fld id="{575672ED-15D8-4832-9371-7BFF7FFD4540}" type="datetimeFigureOut">
               <a:rPr lang="en-US" smtClean="0"/>
-              <a:t>3/8/2016</a:t>
+              <a:t>6/29/2016</a:t>
             </a:fld>
             <a:endParaRPr lang="en-US"/>
           </a:p>
@@ -1290,7 +1290,7 @@
     </p:spTree>
     <p:extLst>
       <p:ext uri="{BB962C8B-B14F-4D97-AF65-F5344CB8AC3E}">
-        <p14:creationId xmlns:p14="http://schemas.microsoft.com/office/powerpoint/2010/main" val="1725152349"/>
+        <p14:creationId xmlns:p14="http://schemas.microsoft.com/office/powerpoint/2010/main" val="3725590344"/>
       </p:ext>
     </p:extLst>
   </p:cSld>
@@ -1329,8 +1329,8 @@
         </p:nvSpPr>
         <p:spPr>
           <a:xfrm>
-            <a:off x="503873" y="559861"/>
-            <a:ext cx="6309360" cy="2032530"/>
+            <a:off x="497531" y="428432"/>
+            <a:ext cx="6229945" cy="1555389"/>
           </a:xfrm>
         </p:spPr>
         <p:txBody>
@@ -1357,8 +1357,8 @@
         </p:nvSpPr>
         <p:spPr>
           <a:xfrm>
-            <a:off x="503874" y="2577783"/>
-            <a:ext cx="3094672" cy="1263332"/>
+            <a:off x="497531" y="1972642"/>
+            <a:ext cx="3055720" cy="966762"/>
           </a:xfrm>
         </p:spPr>
         <p:txBody>
@@ -1366,39 +1366,39 @@
           <a:lstStyle>
             <a:lvl1pPr marL="0" indent="0">
               <a:buNone/>
-              <a:defRPr sz="1920" b="1"/>
+              <a:defRPr sz="1896" b="1"/>
             </a:lvl1pPr>
-            <a:lvl2pPr marL="365760" indent="0">
-              <a:buNone/>
-              <a:defRPr sz="1600" b="1"/>
+            <a:lvl2pPr marL="361142" indent="0">
+              <a:buNone/>
+              <a:defRPr sz="1580" b="1"/>
             </a:lvl2pPr>
-            <a:lvl3pPr marL="731520" indent="0">
-              <a:buNone/>
-              <a:defRPr sz="1440" b="1"/>
+            <a:lvl3pPr marL="722285" indent="0">
+              <a:buNone/>
+              <a:defRPr sz="1422" b="1"/>
             </a:lvl3pPr>
-            <a:lvl4pPr marL="1097280" indent="0">
-              <a:buNone/>
-              <a:defRPr sz="1280" b="1"/>
+            <a:lvl4pPr marL="1083427" indent="0">
+              <a:buNone/>
+              <a:defRPr sz="1264" b="1"/>
             </a:lvl4pPr>
-            <a:lvl5pPr marL="1463040" indent="0">
-              <a:buNone/>
-              <a:defRPr sz="1280" b="1"/>
+            <a:lvl5pPr marL="1444569" indent="0">
+              <a:buNone/>
+              <a:defRPr sz="1264" b="1"/>
             </a:lvl5pPr>
-            <a:lvl6pPr marL="1828800" indent="0">
-              <a:buNone/>
-              <a:defRPr sz="1280" b="1"/>
+            <a:lvl6pPr marL="1805711" indent="0">
+              <a:buNone/>
+              <a:defRPr sz="1264" b="1"/>
             </a:lvl6pPr>
-            <a:lvl7pPr marL="2194560" indent="0">
-              <a:buNone/>
-              <a:defRPr sz="1280" b="1"/>
+            <a:lvl7pPr marL="2166854" indent="0">
+              <a:buNone/>
+              <a:defRPr sz="1264" b="1"/>
             </a:lvl7pPr>
-            <a:lvl8pPr marL="2560320" indent="0">
-              <a:buNone/>
-              <a:defRPr sz="1280" b="1"/>
+            <a:lvl8pPr marL="2527996" indent="0">
+              <a:buNone/>
+              <a:defRPr sz="1264" b="1"/>
             </a:lvl8pPr>
-            <a:lvl9pPr marL="2926080" indent="0">
-              <a:buNone/>
-              <a:defRPr sz="1280" b="1"/>
+            <a:lvl9pPr marL="2889138" indent="0">
+              <a:buNone/>
+              <a:defRPr sz="1264" b="1"/>
             </a:lvl9pPr>
           </a:lstStyle>
           <a:p>
@@ -1422,8 +1422,8 @@
         </p:nvSpPr>
         <p:spPr>
           <a:xfrm>
-            <a:off x="503874" y="3841115"/>
-            <a:ext cx="3094672" cy="5649702"/>
+            <a:off x="497531" y="2939404"/>
+            <a:ext cx="3055720" cy="4323421"/>
           </a:xfrm>
         </p:spPr>
         <p:txBody>
@@ -1479,8 +1479,8 @@
         </p:nvSpPr>
         <p:spPr>
           <a:xfrm>
-            <a:off x="3703320" y="2577783"/>
-            <a:ext cx="3109913" cy="1263332"/>
+            <a:off x="3656707" y="1972642"/>
+            <a:ext cx="3070769" cy="966762"/>
           </a:xfrm>
         </p:spPr>
         <p:txBody>
@@ -1488,39 +1488,39 @@
           <a:lstStyle>
             <a:lvl1pPr marL="0" indent="0">
               <a:buNone/>
-              <a:defRPr sz="1920" b="1"/>
+              <a:defRPr sz="1896" b="1"/>
             </a:lvl1pPr>
-            <a:lvl2pPr marL="365760" indent="0">
-              <a:buNone/>
-              <a:defRPr sz="1600" b="1"/>
+            <a:lvl2pPr marL="361142" indent="0">
+              <a:buNone/>
+              <a:defRPr sz="1580" b="1"/>
             </a:lvl2pPr>
-            <a:lvl3pPr marL="731520" indent="0">
-              <a:buNone/>
-              <a:defRPr sz="1440" b="1"/>
+            <a:lvl3pPr marL="722285" indent="0">
+              <a:buNone/>
+              <a:defRPr sz="1422" b="1"/>
             </a:lvl3pPr>
-            <a:lvl4pPr marL="1097280" indent="0">
-              <a:buNone/>
-              <a:defRPr sz="1280" b="1"/>
+            <a:lvl4pPr marL="1083427" indent="0">
+              <a:buNone/>
+              <a:defRPr sz="1264" b="1"/>
             </a:lvl4pPr>
-            <a:lvl5pPr marL="1463040" indent="0">
-              <a:buNone/>
-              <a:defRPr sz="1280" b="1"/>
+            <a:lvl5pPr marL="1444569" indent="0">
+              <a:buNone/>
+              <a:defRPr sz="1264" b="1"/>
             </a:lvl5pPr>
-            <a:lvl6pPr marL="1828800" indent="0">
-              <a:buNone/>
-              <a:defRPr sz="1280" b="1"/>
+            <a:lvl6pPr marL="1805711" indent="0">
+              <a:buNone/>
+              <a:defRPr sz="1264" b="1"/>
             </a:lvl6pPr>
-            <a:lvl7pPr marL="2194560" indent="0">
-              <a:buNone/>
-              <a:defRPr sz="1280" b="1"/>
+            <a:lvl7pPr marL="2166854" indent="0">
+              <a:buNone/>
+              <a:defRPr sz="1264" b="1"/>
             </a:lvl7pPr>
-            <a:lvl8pPr marL="2560320" indent="0">
-              <a:buNone/>
-              <a:defRPr sz="1280" b="1"/>
+            <a:lvl8pPr marL="2527996" indent="0">
+              <a:buNone/>
+              <a:defRPr sz="1264" b="1"/>
             </a:lvl8pPr>
-            <a:lvl9pPr marL="2926080" indent="0">
-              <a:buNone/>
-              <a:defRPr sz="1280" b="1"/>
+            <a:lvl9pPr marL="2889138" indent="0">
+              <a:buNone/>
+              <a:defRPr sz="1264" b="1"/>
             </a:lvl9pPr>
           </a:lstStyle>
           <a:p>
@@ -1544,8 +1544,8 @@
         </p:nvSpPr>
         <p:spPr>
           <a:xfrm>
-            <a:off x="3703320" y="3841115"/>
-            <a:ext cx="3109913" cy="5649702"/>
+            <a:off x="3656707" y="2939404"/>
+            <a:ext cx="3070769" cy="4323421"/>
           </a:xfrm>
         </p:spPr>
         <p:txBody>
@@ -1606,7 +1606,7 @@
           <a:p>
             <a:fld id="{575672ED-15D8-4832-9371-7BFF7FFD4540}" type="datetimeFigureOut">
               <a:rPr lang="en-US" smtClean="0"/>
-              <a:t>3/8/2016</a:t>
+              <a:t>6/29/2016</a:t>
             </a:fld>
             <a:endParaRPr lang="en-US"/>
           </a:p>
@@ -1657,7 +1657,7 @@
     </p:spTree>
     <p:extLst>
       <p:ext uri="{BB962C8B-B14F-4D97-AF65-F5344CB8AC3E}">
-        <p14:creationId xmlns:p14="http://schemas.microsoft.com/office/powerpoint/2010/main" val="3753730800"/>
+        <p14:creationId xmlns:p14="http://schemas.microsoft.com/office/powerpoint/2010/main" val="2661287543"/>
       </p:ext>
     </p:extLst>
   </p:cSld>
@@ -1724,7 +1724,7 @@
           <a:p>
             <a:fld id="{575672ED-15D8-4832-9371-7BFF7FFD4540}" type="datetimeFigureOut">
               <a:rPr lang="en-US" smtClean="0"/>
-              <a:t>3/8/2016</a:t>
+              <a:t>6/29/2016</a:t>
             </a:fld>
             <a:endParaRPr lang="en-US"/>
           </a:p>
@@ -1775,7 +1775,7 @@
     </p:spTree>
     <p:extLst>
       <p:ext uri="{BB962C8B-B14F-4D97-AF65-F5344CB8AC3E}">
-        <p14:creationId xmlns:p14="http://schemas.microsoft.com/office/powerpoint/2010/main" val="84447835"/>
+        <p14:creationId xmlns:p14="http://schemas.microsoft.com/office/powerpoint/2010/main" val="2687989892"/>
       </p:ext>
     </p:extLst>
   </p:cSld>
@@ -1819,7 +1819,7 @@
           <a:p>
             <a:fld id="{575672ED-15D8-4832-9371-7BFF7FFD4540}" type="datetimeFigureOut">
               <a:rPr lang="en-US" smtClean="0"/>
-              <a:t>3/8/2016</a:t>
+              <a:t>6/29/2016</a:t>
             </a:fld>
             <a:endParaRPr lang="en-US"/>
           </a:p>
@@ -1870,7 +1870,7 @@
     </p:spTree>
     <p:extLst>
       <p:ext uri="{BB962C8B-B14F-4D97-AF65-F5344CB8AC3E}">
-        <p14:creationId xmlns:p14="http://schemas.microsoft.com/office/powerpoint/2010/main" val="3439547672"/>
+        <p14:creationId xmlns:p14="http://schemas.microsoft.com/office/powerpoint/2010/main" val="341911975"/>
       </p:ext>
     </p:extLst>
   </p:cSld>
@@ -1909,15 +1909,15 @@
         </p:nvSpPr>
         <p:spPr>
           <a:xfrm>
-            <a:off x="503873" y="701040"/>
-            <a:ext cx="2359342" cy="2453640"/>
+            <a:off x="497531" y="536469"/>
+            <a:ext cx="2329646" cy="1877642"/>
           </a:xfrm>
         </p:spPr>
         <p:txBody>
           <a:bodyPr anchor="b"/>
           <a:lstStyle>
             <a:lvl1pPr>
-              <a:defRPr sz="2560"/>
+              <a:defRPr sz="2528"/>
             </a:lvl1pPr>
           </a:lstStyle>
           <a:p>
@@ -1941,39 +1941,39 @@
         </p:nvSpPr>
         <p:spPr>
           <a:xfrm>
-            <a:off x="3109913" y="1514054"/>
-            <a:ext cx="3703320" cy="7472892"/>
+            <a:off x="3070769" y="1158626"/>
+            <a:ext cx="3656707" cy="5718613"/>
           </a:xfrm>
         </p:spPr>
         <p:txBody>
           <a:bodyPr/>
           <a:lstStyle>
             <a:lvl1pPr>
-              <a:defRPr sz="2560"/>
+              <a:defRPr sz="2528"/>
             </a:lvl1pPr>
             <a:lvl2pPr>
-              <a:defRPr sz="2240"/>
+              <a:defRPr sz="2212"/>
             </a:lvl2pPr>
             <a:lvl3pPr>
-              <a:defRPr sz="1920"/>
+              <a:defRPr sz="1896"/>
             </a:lvl3pPr>
             <a:lvl4pPr>
-              <a:defRPr sz="1600"/>
+              <a:defRPr sz="1580"/>
             </a:lvl4pPr>
             <a:lvl5pPr>
-              <a:defRPr sz="1600"/>
+              <a:defRPr sz="1580"/>
             </a:lvl5pPr>
             <a:lvl6pPr>
-              <a:defRPr sz="1600"/>
+              <a:defRPr sz="1580"/>
             </a:lvl6pPr>
             <a:lvl7pPr>
-              <a:defRPr sz="1600"/>
+              <a:defRPr sz="1580"/>
             </a:lvl7pPr>
             <a:lvl8pPr>
-              <a:defRPr sz="1600"/>
+              <a:defRPr sz="1580"/>
             </a:lvl8pPr>
             <a:lvl9pPr>
-              <a:defRPr sz="1600"/>
+              <a:defRPr sz="1580"/>
             </a:lvl9pPr>
           </a:lstStyle>
           <a:p>
@@ -2026,8 +2026,8 @@
         </p:nvSpPr>
         <p:spPr>
           <a:xfrm>
-            <a:off x="503873" y="3154680"/>
-            <a:ext cx="2359342" cy="5844435"/>
+            <a:off x="497531" y="2414111"/>
+            <a:ext cx="2329646" cy="4472440"/>
           </a:xfrm>
         </p:spPr>
         <p:txBody>
@@ -2035,39 +2035,39 @@
           <a:lstStyle>
             <a:lvl1pPr marL="0" indent="0">
               <a:buNone/>
-              <a:defRPr sz="1280"/>
+              <a:defRPr sz="1264"/>
             </a:lvl1pPr>
-            <a:lvl2pPr marL="365760" indent="0">
-              <a:buNone/>
-              <a:defRPr sz="1120"/>
+            <a:lvl2pPr marL="361142" indent="0">
+              <a:buNone/>
+              <a:defRPr sz="1106"/>
             </a:lvl2pPr>
-            <a:lvl3pPr marL="731520" indent="0">
-              <a:buNone/>
-              <a:defRPr sz="960"/>
+            <a:lvl3pPr marL="722285" indent="0">
+              <a:buNone/>
+              <a:defRPr sz="948"/>
             </a:lvl3pPr>
-            <a:lvl4pPr marL="1097280" indent="0">
-              <a:buNone/>
-              <a:defRPr sz="800"/>
+            <a:lvl4pPr marL="1083427" indent="0">
+              <a:buNone/>
+              <a:defRPr sz="790"/>
             </a:lvl4pPr>
-            <a:lvl5pPr marL="1463040" indent="0">
-              <a:buNone/>
-              <a:defRPr sz="800"/>
+            <a:lvl5pPr marL="1444569" indent="0">
+              <a:buNone/>
+              <a:defRPr sz="790"/>
             </a:lvl5pPr>
-            <a:lvl6pPr marL="1828800" indent="0">
-              <a:buNone/>
-              <a:defRPr sz="800"/>
+            <a:lvl6pPr marL="1805711" indent="0">
+              <a:buNone/>
+              <a:defRPr sz="790"/>
             </a:lvl6pPr>
-            <a:lvl7pPr marL="2194560" indent="0">
-              <a:buNone/>
-              <a:defRPr sz="800"/>
+            <a:lvl7pPr marL="2166854" indent="0">
+              <a:buNone/>
+              <a:defRPr sz="790"/>
             </a:lvl7pPr>
-            <a:lvl8pPr marL="2560320" indent="0">
-              <a:buNone/>
-              <a:defRPr sz="800"/>
+            <a:lvl8pPr marL="2527996" indent="0">
+              <a:buNone/>
+              <a:defRPr sz="790"/>
             </a:lvl8pPr>
-            <a:lvl9pPr marL="2926080" indent="0">
-              <a:buNone/>
-              <a:defRPr sz="800"/>
+            <a:lvl9pPr marL="2889138" indent="0">
+              <a:buNone/>
+              <a:defRPr sz="790"/>
             </a:lvl9pPr>
           </a:lstStyle>
           <a:p>
@@ -2096,7 +2096,7 @@
           <a:p>
             <a:fld id="{575672ED-15D8-4832-9371-7BFF7FFD4540}" type="datetimeFigureOut">
               <a:rPr lang="en-US" smtClean="0"/>
-              <a:t>3/8/2016</a:t>
+              <a:t>6/29/2016</a:t>
             </a:fld>
             <a:endParaRPr lang="en-US"/>
           </a:p>
@@ -2147,7 +2147,7 @@
     </p:spTree>
     <p:extLst>
       <p:ext uri="{BB962C8B-B14F-4D97-AF65-F5344CB8AC3E}">
-        <p14:creationId xmlns:p14="http://schemas.microsoft.com/office/powerpoint/2010/main" val="2436507546"/>
+        <p14:creationId xmlns:p14="http://schemas.microsoft.com/office/powerpoint/2010/main" val="2962909534"/>
       </p:ext>
     </p:extLst>
   </p:cSld>
@@ -2186,15 +2186,15 @@
         </p:nvSpPr>
         <p:spPr>
           <a:xfrm>
-            <a:off x="503873" y="701040"/>
-            <a:ext cx="2359342" cy="2453640"/>
+            <a:off x="497531" y="536469"/>
+            <a:ext cx="2329646" cy="1877642"/>
           </a:xfrm>
         </p:spPr>
         <p:txBody>
           <a:bodyPr anchor="b"/>
           <a:lstStyle>
             <a:lvl1pPr>
-              <a:defRPr sz="2560"/>
+              <a:defRPr sz="2528"/>
             </a:lvl1pPr>
           </a:lstStyle>
           <a:p>
@@ -2218,8 +2218,8 @@
         </p:nvSpPr>
         <p:spPr>
           <a:xfrm>
-            <a:off x="3109913" y="1514054"/>
-            <a:ext cx="3703320" cy="7472892"/>
+            <a:off x="3070769" y="1158626"/>
+            <a:ext cx="3656707" cy="5718613"/>
           </a:xfrm>
         </p:spPr>
         <p:txBody>
@@ -2227,39 +2227,39 @@
           <a:lstStyle>
             <a:lvl1pPr marL="0" indent="0">
               <a:buNone/>
-              <a:defRPr sz="2560"/>
+              <a:defRPr sz="2528"/>
             </a:lvl1pPr>
-            <a:lvl2pPr marL="365760" indent="0">
-              <a:buNone/>
-              <a:defRPr sz="2240"/>
+            <a:lvl2pPr marL="361142" indent="0">
+              <a:buNone/>
+              <a:defRPr sz="2212"/>
             </a:lvl2pPr>
-            <a:lvl3pPr marL="731520" indent="0">
-              <a:buNone/>
-              <a:defRPr sz="1920"/>
+            <a:lvl3pPr marL="722285" indent="0">
+              <a:buNone/>
+              <a:defRPr sz="1896"/>
             </a:lvl3pPr>
-            <a:lvl4pPr marL="1097280" indent="0">
-              <a:buNone/>
-              <a:defRPr sz="1600"/>
+            <a:lvl4pPr marL="1083427" indent="0">
+              <a:buNone/>
+              <a:defRPr sz="1580"/>
             </a:lvl4pPr>
-            <a:lvl5pPr marL="1463040" indent="0">
-              <a:buNone/>
-              <a:defRPr sz="1600"/>
+            <a:lvl5pPr marL="1444569" indent="0">
+              <a:buNone/>
+              <a:defRPr sz="1580"/>
             </a:lvl5pPr>
-            <a:lvl6pPr marL="1828800" indent="0">
-              <a:buNone/>
-              <a:defRPr sz="1600"/>
+            <a:lvl6pPr marL="1805711" indent="0">
+              <a:buNone/>
+              <a:defRPr sz="1580"/>
             </a:lvl6pPr>
-            <a:lvl7pPr marL="2194560" indent="0">
-              <a:buNone/>
-              <a:defRPr sz="1600"/>
+            <a:lvl7pPr marL="2166854" indent="0">
+              <a:buNone/>
+              <a:defRPr sz="1580"/>
             </a:lvl7pPr>
-            <a:lvl8pPr marL="2560320" indent="0">
-              <a:buNone/>
-              <a:defRPr sz="1600"/>
+            <a:lvl8pPr marL="2527996" indent="0">
+              <a:buNone/>
+              <a:defRPr sz="1580"/>
             </a:lvl8pPr>
-            <a:lvl9pPr marL="2926080" indent="0">
-              <a:buNone/>
-              <a:defRPr sz="1600"/>
+            <a:lvl9pPr marL="2889138" indent="0">
+              <a:buNone/>
+              <a:defRPr sz="1580"/>
             </a:lvl9pPr>
           </a:lstStyle>
           <a:p>
@@ -2283,8 +2283,8 @@
         </p:nvSpPr>
         <p:spPr>
           <a:xfrm>
-            <a:off x="503873" y="3154680"/>
-            <a:ext cx="2359342" cy="5844435"/>
+            <a:off x="497531" y="2414111"/>
+            <a:ext cx="2329646" cy="4472440"/>
           </a:xfrm>
         </p:spPr>
         <p:txBody>
@@ -2292,39 +2292,39 @@
           <a:lstStyle>
             <a:lvl1pPr marL="0" indent="0">
               <a:buNone/>
-              <a:defRPr sz="1280"/>
+              <a:defRPr sz="1264"/>
             </a:lvl1pPr>
-            <a:lvl2pPr marL="365760" indent="0">
-              <a:buNone/>
-              <a:defRPr sz="1120"/>
+            <a:lvl2pPr marL="361142" indent="0">
+              <a:buNone/>
+              <a:defRPr sz="1106"/>
             </a:lvl2pPr>
-            <a:lvl3pPr marL="731520" indent="0">
-              <a:buNone/>
-              <a:defRPr sz="960"/>
+            <a:lvl3pPr marL="722285" indent="0">
+              <a:buNone/>
+              <a:defRPr sz="948"/>
             </a:lvl3pPr>
-            <a:lvl4pPr marL="1097280" indent="0">
-              <a:buNone/>
-              <a:defRPr sz="800"/>
+            <a:lvl4pPr marL="1083427" indent="0">
+              <a:buNone/>
+              <a:defRPr sz="790"/>
             </a:lvl4pPr>
-            <a:lvl5pPr marL="1463040" indent="0">
-              <a:buNone/>
-              <a:defRPr sz="800"/>
+            <a:lvl5pPr marL="1444569" indent="0">
+              <a:buNone/>
+              <a:defRPr sz="790"/>
             </a:lvl5pPr>
-            <a:lvl6pPr marL="1828800" indent="0">
-              <a:buNone/>
-              <a:defRPr sz="800"/>
+            <a:lvl6pPr marL="1805711" indent="0">
+              <a:buNone/>
+              <a:defRPr sz="790"/>
             </a:lvl6pPr>
-            <a:lvl7pPr marL="2194560" indent="0">
-              <a:buNone/>
-              <a:defRPr sz="800"/>
+            <a:lvl7pPr marL="2166854" indent="0">
+              <a:buNone/>
+              <a:defRPr sz="790"/>
             </a:lvl7pPr>
-            <a:lvl8pPr marL="2560320" indent="0">
-              <a:buNone/>
-              <a:defRPr sz="800"/>
+            <a:lvl8pPr marL="2527996" indent="0">
+              <a:buNone/>
+              <a:defRPr sz="790"/>
             </a:lvl8pPr>
-            <a:lvl9pPr marL="2926080" indent="0">
-              <a:buNone/>
-              <a:defRPr sz="800"/>
+            <a:lvl9pPr marL="2889138" indent="0">
+              <a:buNone/>
+              <a:defRPr sz="790"/>
             </a:lvl9pPr>
           </a:lstStyle>
           <a:p>
@@ -2353,7 +2353,7 @@
           <a:p>
             <a:fld id="{575672ED-15D8-4832-9371-7BFF7FFD4540}" type="datetimeFigureOut">
               <a:rPr lang="en-US" smtClean="0"/>
-              <a:t>3/8/2016</a:t>
+              <a:t>6/29/2016</a:t>
             </a:fld>
             <a:endParaRPr lang="en-US"/>
           </a:p>
@@ -2404,7 +2404,7 @@
     </p:spTree>
     <p:extLst>
       <p:ext uri="{BB962C8B-B14F-4D97-AF65-F5344CB8AC3E}">
-        <p14:creationId xmlns:p14="http://schemas.microsoft.com/office/powerpoint/2010/main" val="492451909"/>
+        <p14:creationId xmlns:p14="http://schemas.microsoft.com/office/powerpoint/2010/main" val="3477462734"/>
       </p:ext>
     </p:extLst>
   </p:cSld>
@@ -2448,8 +2448,8 @@
         </p:nvSpPr>
         <p:spPr>
           <a:xfrm>
-            <a:off x="502920" y="559861"/>
-            <a:ext cx="6309360" cy="2032530"/>
+            <a:off x="496590" y="428432"/>
+            <a:ext cx="6229945" cy="1555389"/>
           </a:xfrm>
           <a:prstGeom prst="rect">
             <a:avLst/>
@@ -2481,8 +2481,8 @@
         </p:nvSpPr>
         <p:spPr>
           <a:xfrm>
-            <a:off x="502920" y="2799291"/>
-            <a:ext cx="6309360" cy="6672052"/>
+            <a:off x="496590" y="2142151"/>
+            <a:ext cx="6229945" cy="5105772"/>
           </a:xfrm>
           <a:prstGeom prst="rect">
             <a:avLst/>
@@ -2543,8 +2543,8 @@
         </p:nvSpPr>
         <p:spPr>
           <a:xfrm>
-            <a:off x="502920" y="9746406"/>
-            <a:ext cx="1645920" cy="559858"/>
+            <a:off x="496590" y="7458414"/>
+            <a:ext cx="1625203" cy="428430"/>
           </a:xfrm>
           <a:prstGeom prst="rect">
             <a:avLst/>
@@ -2554,7 +2554,7 @@
           <a:bodyPr vert="horz" lIns="91440" tIns="45720" rIns="91440" bIns="45720" rtlCol="0" anchor="ctr"/>
           <a:lstStyle>
             <a:lvl1pPr algn="l">
-              <a:defRPr sz="960">
+              <a:defRPr sz="948">
                 <a:solidFill>
                   <a:schemeClr val="tx1">
                     <a:tint val="75000"/>
@@ -2566,7 +2566,7 @@
           <a:p>
             <a:fld id="{575672ED-15D8-4832-9371-7BFF7FFD4540}" type="datetimeFigureOut">
               <a:rPr lang="en-US" smtClean="0"/>
-              <a:t>3/8/2016</a:t>
+              <a:t>6/29/2016</a:t>
             </a:fld>
             <a:endParaRPr lang="en-US"/>
           </a:p>
@@ -2584,8 +2584,8 @@
         </p:nvSpPr>
         <p:spPr>
           <a:xfrm>
-            <a:off x="2423160" y="9746406"/>
-            <a:ext cx="2468880" cy="559858"/>
+            <a:off x="2392660" y="7458414"/>
+            <a:ext cx="2437805" cy="428430"/>
           </a:xfrm>
           <a:prstGeom prst="rect">
             <a:avLst/>
@@ -2595,7 +2595,7 @@
           <a:bodyPr vert="horz" lIns="91440" tIns="45720" rIns="91440" bIns="45720" rtlCol="0" anchor="ctr"/>
           <a:lstStyle>
             <a:lvl1pPr algn="ctr">
-              <a:defRPr sz="960">
+              <a:defRPr sz="948">
                 <a:solidFill>
                   <a:schemeClr val="tx1">
                     <a:tint val="75000"/>
@@ -2621,8 +2621,8 @@
         </p:nvSpPr>
         <p:spPr>
           <a:xfrm>
-            <a:off x="5166360" y="9746406"/>
-            <a:ext cx="1645920" cy="559858"/>
+            <a:off x="5101332" y="7458414"/>
+            <a:ext cx="1625203" cy="428430"/>
           </a:xfrm>
           <a:prstGeom prst="rect">
             <a:avLst/>
@@ -2632,7 +2632,7 @@
           <a:bodyPr vert="horz" lIns="91440" tIns="45720" rIns="91440" bIns="45720" rtlCol="0" anchor="ctr"/>
           <a:lstStyle>
             <a:lvl1pPr algn="r">
-              <a:defRPr sz="960">
+              <a:defRPr sz="948">
                 <a:solidFill>
                   <a:schemeClr val="tx1">
                     <a:tint val="75000"/>
@@ -2653,27 +2653,27 @@
     </p:spTree>
     <p:extLst>
       <p:ext uri="{BB962C8B-B14F-4D97-AF65-F5344CB8AC3E}">
-        <p14:creationId xmlns:p14="http://schemas.microsoft.com/office/powerpoint/2010/main" val="1125487558"/>
+        <p14:creationId xmlns:p14="http://schemas.microsoft.com/office/powerpoint/2010/main" val="708961667"/>
       </p:ext>
     </p:extLst>
   </p:cSld>
   <p:clrMap bg1="lt1" tx1="dk1" bg2="lt2" tx2="dk2" accent1="accent1" accent2="accent2" accent3="accent3" accent4="accent4" accent5="accent5" accent6="accent6" hlink="hlink" folHlink="folHlink"/>
   <p:sldLayoutIdLst>
-    <p:sldLayoutId id="2147483769" r:id="rId1"/>
-    <p:sldLayoutId id="2147483770" r:id="rId2"/>
-    <p:sldLayoutId id="2147483771" r:id="rId3"/>
-    <p:sldLayoutId id="2147483772" r:id="rId4"/>
-    <p:sldLayoutId id="2147483773" r:id="rId5"/>
-    <p:sldLayoutId id="2147483774" r:id="rId6"/>
-    <p:sldLayoutId id="2147483775" r:id="rId7"/>
-    <p:sldLayoutId id="2147483776" r:id="rId8"/>
-    <p:sldLayoutId id="2147483777" r:id="rId9"/>
-    <p:sldLayoutId id="2147483778" r:id="rId10"/>
-    <p:sldLayoutId id="2147483779" r:id="rId11"/>
+    <p:sldLayoutId id="2147483805" r:id="rId1"/>
+    <p:sldLayoutId id="2147483806" r:id="rId2"/>
+    <p:sldLayoutId id="2147483807" r:id="rId3"/>
+    <p:sldLayoutId id="2147483808" r:id="rId4"/>
+    <p:sldLayoutId id="2147483809" r:id="rId5"/>
+    <p:sldLayoutId id="2147483810" r:id="rId6"/>
+    <p:sldLayoutId id="2147483811" r:id="rId7"/>
+    <p:sldLayoutId id="2147483812" r:id="rId8"/>
+    <p:sldLayoutId id="2147483813" r:id="rId9"/>
+    <p:sldLayoutId id="2147483814" r:id="rId10"/>
+    <p:sldLayoutId id="2147483815" r:id="rId11"/>
   </p:sldLayoutIdLst>
   <p:txStyles>
     <p:titleStyle>
-      <a:lvl1pPr algn="l" defTabSz="731520" rtl="0" eaLnBrk="1" latinLnBrk="0" hangingPunct="1">
+      <a:lvl1pPr algn="l" defTabSz="722285" rtl="0" eaLnBrk="1" latinLnBrk="0" hangingPunct="1">
         <a:lnSpc>
           <a:spcPct val="90000"/>
         </a:lnSpc>
@@ -2681,7 +2681,7 @@
           <a:spcPct val="0"/>
         </a:spcBef>
         <a:buNone/>
-        <a:defRPr sz="3520" kern="1200">
+        <a:defRPr sz="3476" kern="1200">
           <a:solidFill>
             <a:schemeClr val="tx1"/>
           </a:solidFill>
@@ -2692,16 +2692,16 @@
       </a:lvl1pPr>
     </p:titleStyle>
     <p:bodyStyle>
-      <a:lvl1pPr marL="182880" indent="-182880" algn="l" defTabSz="731520" rtl="0" eaLnBrk="1" latinLnBrk="0" hangingPunct="1">
+      <a:lvl1pPr marL="180571" indent="-180571" algn="l" defTabSz="722285" rtl="0" eaLnBrk="1" latinLnBrk="0" hangingPunct="1">
         <a:lnSpc>
           <a:spcPct val="90000"/>
         </a:lnSpc>
         <a:spcBef>
-          <a:spcPts val="800"/>
+          <a:spcPts val="790"/>
         </a:spcBef>
         <a:buFont typeface="Arial" panose="020B0604020202020204" pitchFamily="34" charset="0"/>
         <a:buChar char="•"/>
-        <a:defRPr sz="2240" kern="1200">
+        <a:defRPr sz="2212" kern="1200">
           <a:solidFill>
             <a:schemeClr val="tx1"/>
           </a:solidFill>
@@ -2710,16 +2710,16 @@
           <a:cs typeface="+mn-cs"/>
         </a:defRPr>
       </a:lvl1pPr>
-      <a:lvl2pPr marL="548640" indent="-182880" algn="l" defTabSz="731520" rtl="0" eaLnBrk="1" latinLnBrk="0" hangingPunct="1">
+      <a:lvl2pPr marL="541713" indent="-180571" algn="l" defTabSz="722285" rtl="0" eaLnBrk="1" latinLnBrk="0" hangingPunct="1">
         <a:lnSpc>
           <a:spcPct val="90000"/>
         </a:lnSpc>
         <a:spcBef>
-          <a:spcPts val="400"/>
+          <a:spcPts val="395"/>
         </a:spcBef>
         <a:buFont typeface="Arial" panose="020B0604020202020204" pitchFamily="34" charset="0"/>
         <a:buChar char="•"/>
-        <a:defRPr sz="1920" kern="1200">
+        <a:defRPr sz="1896" kern="1200">
           <a:solidFill>
             <a:schemeClr val="tx1"/>
           </a:solidFill>
@@ -2728,16 +2728,16 @@
           <a:cs typeface="+mn-cs"/>
         </a:defRPr>
       </a:lvl2pPr>
-      <a:lvl3pPr marL="914400" indent="-182880" algn="l" defTabSz="731520" rtl="0" eaLnBrk="1" latinLnBrk="0" hangingPunct="1">
+      <a:lvl3pPr marL="902856" indent="-180571" algn="l" defTabSz="722285" rtl="0" eaLnBrk="1" latinLnBrk="0" hangingPunct="1">
         <a:lnSpc>
           <a:spcPct val="90000"/>
         </a:lnSpc>
         <a:spcBef>
-          <a:spcPts val="400"/>
+          <a:spcPts val="395"/>
         </a:spcBef>
         <a:buFont typeface="Arial" panose="020B0604020202020204" pitchFamily="34" charset="0"/>
         <a:buChar char="•"/>
-        <a:defRPr sz="1600" kern="1200">
+        <a:defRPr sz="1580" kern="1200">
           <a:solidFill>
             <a:schemeClr val="tx1"/>
           </a:solidFill>
@@ -2746,16 +2746,16 @@
           <a:cs typeface="+mn-cs"/>
         </a:defRPr>
       </a:lvl3pPr>
-      <a:lvl4pPr marL="1280160" indent="-182880" algn="l" defTabSz="731520" rtl="0" eaLnBrk="1" latinLnBrk="0" hangingPunct="1">
+      <a:lvl4pPr marL="1263998" indent="-180571" algn="l" defTabSz="722285" rtl="0" eaLnBrk="1" latinLnBrk="0" hangingPunct="1">
         <a:lnSpc>
           <a:spcPct val="90000"/>
         </a:lnSpc>
         <a:spcBef>
-          <a:spcPts val="400"/>
+          <a:spcPts val="395"/>
         </a:spcBef>
         <a:buFont typeface="Arial" panose="020B0604020202020204" pitchFamily="34" charset="0"/>
         <a:buChar char="•"/>
-        <a:defRPr sz="1440" kern="1200">
+        <a:defRPr sz="1422" kern="1200">
           <a:solidFill>
             <a:schemeClr val="tx1"/>
           </a:solidFill>
@@ -2764,16 +2764,16 @@
           <a:cs typeface="+mn-cs"/>
         </a:defRPr>
       </a:lvl4pPr>
-      <a:lvl5pPr marL="1645920" indent="-182880" algn="l" defTabSz="731520" rtl="0" eaLnBrk="1" latinLnBrk="0" hangingPunct="1">
+      <a:lvl5pPr marL="1625140" indent="-180571" algn="l" defTabSz="722285" rtl="0" eaLnBrk="1" latinLnBrk="0" hangingPunct="1">
         <a:lnSpc>
           <a:spcPct val="90000"/>
         </a:lnSpc>
         <a:spcBef>
-          <a:spcPts val="400"/>
+          <a:spcPts val="395"/>
         </a:spcBef>
         <a:buFont typeface="Arial" panose="020B0604020202020204" pitchFamily="34" charset="0"/>
         <a:buChar char="•"/>
-        <a:defRPr sz="1440" kern="1200">
+        <a:defRPr sz="1422" kern="1200">
           <a:solidFill>
             <a:schemeClr val="tx1"/>
           </a:solidFill>
@@ -2782,16 +2782,16 @@
           <a:cs typeface="+mn-cs"/>
         </a:defRPr>
       </a:lvl5pPr>
-      <a:lvl6pPr marL="2011680" indent="-182880" algn="l" defTabSz="731520" rtl="0" eaLnBrk="1" latinLnBrk="0" hangingPunct="1">
+      <a:lvl6pPr marL="1986283" indent="-180571" algn="l" defTabSz="722285" rtl="0" eaLnBrk="1" latinLnBrk="0" hangingPunct="1">
         <a:lnSpc>
           <a:spcPct val="90000"/>
         </a:lnSpc>
         <a:spcBef>
-          <a:spcPts val="400"/>
+          <a:spcPts val="395"/>
         </a:spcBef>
         <a:buFont typeface="Arial" panose="020B0604020202020204" pitchFamily="34" charset="0"/>
         <a:buChar char="•"/>
-        <a:defRPr sz="1440" kern="1200">
+        <a:defRPr sz="1422" kern="1200">
           <a:solidFill>
             <a:schemeClr val="tx1"/>
           </a:solidFill>
@@ -2800,16 +2800,16 @@
           <a:cs typeface="+mn-cs"/>
         </a:defRPr>
       </a:lvl6pPr>
-      <a:lvl7pPr marL="2377440" indent="-182880" algn="l" defTabSz="731520" rtl="0" eaLnBrk="1" latinLnBrk="0" hangingPunct="1">
+      <a:lvl7pPr marL="2347425" indent="-180571" algn="l" defTabSz="722285" rtl="0" eaLnBrk="1" latinLnBrk="0" hangingPunct="1">
         <a:lnSpc>
           <a:spcPct val="90000"/>
         </a:lnSpc>
         <a:spcBef>
-          <a:spcPts val="400"/>
+          <a:spcPts val="395"/>
         </a:spcBef>
         <a:buFont typeface="Arial" panose="020B0604020202020204" pitchFamily="34" charset="0"/>
         <a:buChar char="•"/>
-        <a:defRPr sz="1440" kern="1200">
+        <a:defRPr sz="1422" kern="1200">
           <a:solidFill>
             <a:schemeClr val="tx1"/>
           </a:solidFill>
@@ -2818,16 +2818,16 @@
           <a:cs typeface="+mn-cs"/>
         </a:defRPr>
       </a:lvl7pPr>
-      <a:lvl8pPr marL="2743200" indent="-182880" algn="l" defTabSz="731520" rtl="0" eaLnBrk="1" latinLnBrk="0" hangingPunct="1">
+      <a:lvl8pPr marL="2708567" indent="-180571" algn="l" defTabSz="722285" rtl="0" eaLnBrk="1" latinLnBrk="0" hangingPunct="1">
         <a:lnSpc>
           <a:spcPct val="90000"/>
         </a:lnSpc>
         <a:spcBef>
-          <a:spcPts val="400"/>
+          <a:spcPts val="395"/>
         </a:spcBef>
         <a:buFont typeface="Arial" panose="020B0604020202020204" pitchFamily="34" charset="0"/>
         <a:buChar char="•"/>
-        <a:defRPr sz="1440" kern="1200">
+        <a:defRPr sz="1422" kern="1200">
           <a:solidFill>
             <a:schemeClr val="tx1"/>
           </a:solidFill>
@@ -2836,16 +2836,16 @@
           <a:cs typeface="+mn-cs"/>
         </a:defRPr>
       </a:lvl8pPr>
-      <a:lvl9pPr marL="3108960" indent="-182880" algn="l" defTabSz="731520" rtl="0" eaLnBrk="1" latinLnBrk="0" hangingPunct="1">
+      <a:lvl9pPr marL="3069709" indent="-180571" algn="l" defTabSz="722285" rtl="0" eaLnBrk="1" latinLnBrk="0" hangingPunct="1">
         <a:lnSpc>
           <a:spcPct val="90000"/>
         </a:lnSpc>
         <a:spcBef>
-          <a:spcPts val="400"/>
+          <a:spcPts val="395"/>
         </a:spcBef>
         <a:buFont typeface="Arial" panose="020B0604020202020204" pitchFamily="34" charset="0"/>
         <a:buChar char="•"/>
-        <a:defRPr sz="1440" kern="1200">
+        <a:defRPr sz="1422" kern="1200">
           <a:solidFill>
             <a:schemeClr val="tx1"/>
           </a:solidFill>
@@ -2859,8 +2859,8 @@
       <a:defPPr>
         <a:defRPr lang="en-US"/>
       </a:defPPr>
-      <a:lvl1pPr marL="0" algn="l" defTabSz="731520" rtl="0" eaLnBrk="1" latinLnBrk="0" hangingPunct="1">
-        <a:defRPr sz="1440" kern="1200">
+      <a:lvl1pPr marL="0" algn="l" defTabSz="722285" rtl="0" eaLnBrk="1" latinLnBrk="0" hangingPunct="1">
+        <a:defRPr sz="1422" kern="1200">
           <a:solidFill>
             <a:schemeClr val="tx1"/>
           </a:solidFill>
@@ -2869,8 +2869,8 @@
           <a:cs typeface="+mn-cs"/>
         </a:defRPr>
       </a:lvl1pPr>
-      <a:lvl2pPr marL="365760" algn="l" defTabSz="731520" rtl="0" eaLnBrk="1" latinLnBrk="0" hangingPunct="1">
-        <a:defRPr sz="1440" kern="1200">
+      <a:lvl2pPr marL="361142" algn="l" defTabSz="722285" rtl="0" eaLnBrk="1" latinLnBrk="0" hangingPunct="1">
+        <a:defRPr sz="1422" kern="1200">
           <a:solidFill>
             <a:schemeClr val="tx1"/>
           </a:solidFill>
@@ -2879,8 +2879,8 @@
           <a:cs typeface="+mn-cs"/>
         </a:defRPr>
       </a:lvl2pPr>
-      <a:lvl3pPr marL="731520" algn="l" defTabSz="731520" rtl="0" eaLnBrk="1" latinLnBrk="0" hangingPunct="1">
-        <a:defRPr sz="1440" kern="1200">
+      <a:lvl3pPr marL="722285" algn="l" defTabSz="722285" rtl="0" eaLnBrk="1" latinLnBrk="0" hangingPunct="1">
+        <a:defRPr sz="1422" kern="1200">
           <a:solidFill>
             <a:schemeClr val="tx1"/>
           </a:solidFill>
@@ -2889,8 +2889,8 @@
           <a:cs typeface="+mn-cs"/>
         </a:defRPr>
       </a:lvl3pPr>
-      <a:lvl4pPr marL="1097280" algn="l" defTabSz="731520" rtl="0" eaLnBrk="1" latinLnBrk="0" hangingPunct="1">
-        <a:defRPr sz="1440" kern="1200">
+      <a:lvl4pPr marL="1083427" algn="l" defTabSz="722285" rtl="0" eaLnBrk="1" latinLnBrk="0" hangingPunct="1">
+        <a:defRPr sz="1422" kern="1200">
           <a:solidFill>
             <a:schemeClr val="tx1"/>
           </a:solidFill>
@@ -2899,8 +2899,8 @@
           <a:cs typeface="+mn-cs"/>
         </a:defRPr>
       </a:lvl4pPr>
-      <a:lvl5pPr marL="1463040" algn="l" defTabSz="731520" rtl="0" eaLnBrk="1" latinLnBrk="0" hangingPunct="1">
-        <a:defRPr sz="1440" kern="1200">
+      <a:lvl5pPr marL="1444569" algn="l" defTabSz="722285" rtl="0" eaLnBrk="1" latinLnBrk="0" hangingPunct="1">
+        <a:defRPr sz="1422" kern="1200">
           <a:solidFill>
             <a:schemeClr val="tx1"/>
           </a:solidFill>
@@ -2909,8 +2909,8 @@
           <a:cs typeface="+mn-cs"/>
         </a:defRPr>
       </a:lvl5pPr>
-      <a:lvl6pPr marL="1828800" algn="l" defTabSz="731520" rtl="0" eaLnBrk="1" latinLnBrk="0" hangingPunct="1">
-        <a:defRPr sz="1440" kern="1200">
+      <a:lvl6pPr marL="1805711" algn="l" defTabSz="722285" rtl="0" eaLnBrk="1" latinLnBrk="0" hangingPunct="1">
+        <a:defRPr sz="1422" kern="1200">
           <a:solidFill>
             <a:schemeClr val="tx1"/>
           </a:solidFill>
@@ -2919,8 +2919,8 @@
           <a:cs typeface="+mn-cs"/>
         </a:defRPr>
       </a:lvl6pPr>
-      <a:lvl7pPr marL="2194560" algn="l" defTabSz="731520" rtl="0" eaLnBrk="1" latinLnBrk="0" hangingPunct="1">
-        <a:defRPr sz="1440" kern="1200">
+      <a:lvl7pPr marL="2166854" algn="l" defTabSz="722285" rtl="0" eaLnBrk="1" latinLnBrk="0" hangingPunct="1">
+        <a:defRPr sz="1422" kern="1200">
           <a:solidFill>
             <a:schemeClr val="tx1"/>
           </a:solidFill>
@@ -2929,8 +2929,8 @@
           <a:cs typeface="+mn-cs"/>
         </a:defRPr>
       </a:lvl7pPr>
-      <a:lvl8pPr marL="2560320" algn="l" defTabSz="731520" rtl="0" eaLnBrk="1" latinLnBrk="0" hangingPunct="1">
-        <a:defRPr sz="1440" kern="1200">
+      <a:lvl8pPr marL="2527996" algn="l" defTabSz="722285" rtl="0" eaLnBrk="1" latinLnBrk="0" hangingPunct="1">
+        <a:defRPr sz="1422" kern="1200">
           <a:solidFill>
             <a:schemeClr val="tx1"/>
           </a:solidFill>
@@ -2939,8 +2939,8 @@
           <a:cs typeface="+mn-cs"/>
         </a:defRPr>
       </a:lvl8pPr>
-      <a:lvl9pPr marL="2926080" algn="l" defTabSz="731520" rtl="0" eaLnBrk="1" latinLnBrk="0" hangingPunct="1">
-        <a:defRPr sz="1440" kern="1200">
+      <a:lvl9pPr marL="2889138" algn="l" defTabSz="722285" rtl="0" eaLnBrk="1" latinLnBrk="0" hangingPunct="1">
+        <a:defRPr sz="1422" kern="1200">
           <a:solidFill>
             <a:schemeClr val="tx1"/>
           </a:solidFill>
@@ -2973,16 +2973,16 @@
       </p:grpSpPr>
       <p:grpSp>
         <p:nvGrpSpPr>
-          <p:cNvPr id="22" name="Group 21"/>
+          <p:cNvPr id="4" name="Group 3"/>
           <p:cNvGrpSpPr/>
           <p:nvPr/>
         </p:nvGrpSpPr>
         <p:grpSpPr>
           <a:xfrm>
-            <a:off x="-2018053" y="235322"/>
-            <a:ext cx="9220200" cy="10280278"/>
-            <a:chOff x="1502229" y="159024"/>
-            <a:chExt cx="9220200" cy="10280278"/>
+            <a:off x="-1997075" y="103641"/>
+            <a:ext cx="9220200" cy="8017026"/>
+            <a:chOff x="-2045348" y="736978"/>
+            <a:chExt cx="9220200" cy="8017026"/>
           </a:xfrm>
         </p:grpSpPr>
         <p:sp>
@@ -2993,7 +2993,7 @@
           </p:nvSpPr>
           <p:spPr>
             <a:xfrm>
-              <a:off x="1502229" y="9443004"/>
+              <a:off x="-2045348" y="7846035"/>
               <a:ext cx="9220200" cy="523220"/>
             </a:xfrm>
             <a:prstGeom prst="rect">
@@ -3014,164 +3014,147 @@
             </a:p>
           </p:txBody>
         </p:sp>
-        <p:grpSp>
-          <p:nvGrpSpPr>
-            <p:cNvPr id="10" name="Group 9"/>
-            <p:cNvGrpSpPr/>
+        <p:pic>
+          <p:nvPicPr>
+            <p:cNvPr id="2" name="Picture 1"/>
+            <p:cNvPicPr>
+              <a:picLocks noChangeAspect="1"/>
+            </p:cNvPicPr>
             <p:nvPr/>
-          </p:nvGrpSpPr>
-          <p:grpSpPr>
+          </p:nvPicPr>
+          <p:blipFill rotWithShape="1">
+            <a:blip r:embed="rId2"/>
+            <a:srcRect l="9923" r="10972"/>
+            <a:stretch/>
+          </p:blipFill>
+          <p:spPr>
+            <a:xfrm rot="16200000">
+              <a:off x="1943732" y="-612231"/>
+              <a:ext cx="3616658" cy="6315075"/>
+            </a:xfrm>
+            <a:prstGeom prst="rect">
+              <a:avLst/>
+            </a:prstGeom>
+          </p:spPr>
+        </p:pic>
+        <p:pic>
+          <p:nvPicPr>
+            <p:cNvPr id="3" name="Picture 2"/>
+            <p:cNvPicPr>
+              <a:picLocks noChangeAspect="1"/>
+            </p:cNvPicPr>
+            <p:nvPr/>
+          </p:nvPicPr>
+          <p:blipFill rotWithShape="1">
+            <a:blip r:embed="rId3"/>
+            <a:srcRect l="12440" r="11122"/>
+            <a:stretch/>
+          </p:blipFill>
+          <p:spPr>
+            <a:xfrm rot="16200000">
+              <a:off x="2001617" y="3020999"/>
+              <a:ext cx="3480177" cy="6296025"/>
+            </a:xfrm>
+            <a:prstGeom prst="rect">
+              <a:avLst/>
+            </a:prstGeom>
+          </p:spPr>
+        </p:pic>
+        <p:sp>
+          <p:nvSpPr>
+            <p:cNvPr id="7" name="TextBox 6"/>
+            <p:cNvSpPr txBox="1"/>
+            <p:nvPr/>
+          </p:nvSpPr>
+          <p:spPr>
             <a:xfrm>
-              <a:off x="3529199" y="159024"/>
-              <a:ext cx="6900679" cy="10280278"/>
-              <a:chOff x="3529199" y="159024"/>
-              <a:chExt cx="6900679" cy="10280278"/>
+              <a:off x="2924707" y="8169229"/>
+              <a:ext cx="1941885" cy="584775"/>
             </a:xfrm>
-          </p:grpSpPr>
-          <p:pic>
-            <p:nvPicPr>
-              <p:cNvPr id="2" name="Picture 1"/>
-              <p:cNvPicPr>
-                <a:picLocks noChangeAspect="1"/>
-              </p:cNvPicPr>
-              <p:nvPr/>
-            </p:nvPicPr>
-            <p:blipFill>
-              <a:blip r:embed="rId2"/>
-              <a:stretch>
-                <a:fillRect/>
-              </a:stretch>
-            </p:blipFill>
-            <p:spPr>
-              <a:xfrm rot="16200000">
-                <a:off x="4986341" y="-712514"/>
-                <a:ext cx="4572000" cy="6315075"/>
-              </a:xfrm>
-              <a:prstGeom prst="rect">
-                <a:avLst/>
-              </a:prstGeom>
-            </p:spPr>
-          </p:pic>
-          <p:pic>
-            <p:nvPicPr>
-              <p:cNvPr id="3" name="Picture 2"/>
-              <p:cNvPicPr>
-                <a:picLocks noChangeAspect="1"/>
-              </p:cNvPicPr>
-              <p:nvPr/>
-            </p:nvPicPr>
-            <p:blipFill>
-              <a:blip r:embed="rId3"/>
-              <a:stretch>
-                <a:fillRect/>
-              </a:stretch>
-            </p:blipFill>
-            <p:spPr>
-              <a:xfrm rot="16200000">
-                <a:off x="4985512" y="4018516"/>
-                <a:ext cx="4552950" cy="6296025"/>
-              </a:xfrm>
-              <a:prstGeom prst="rect">
-                <a:avLst/>
-              </a:prstGeom>
-            </p:spPr>
-          </p:pic>
-          <p:sp>
-            <p:nvSpPr>
-              <p:cNvPr id="7" name="TextBox 6"/>
-              <p:cNvSpPr txBox="1"/>
-              <p:nvPr/>
-            </p:nvSpPr>
-            <p:spPr>
-              <a:xfrm>
-                <a:off x="6636058" y="9854527"/>
-                <a:ext cx="1941885" cy="584775"/>
-              </a:xfrm>
-              <a:prstGeom prst="rect">
-                <a:avLst/>
-              </a:prstGeom>
-              <a:noFill/>
-            </p:spPr>
-            <p:txBody>
-              <a:bodyPr wrap="square" rtlCol="0">
-                <a:spAutoFit/>
-              </a:bodyPr>
-              <a:lstStyle/>
-              <a:p>
-                <a:r>
-                  <a:rPr lang="en-US" sz="3200" dirty="0"/>
-                  <a:t>Time (</a:t>
-                </a:r>
-                <a:r>
-                  <a:rPr lang="en-US" sz="3200" dirty="0" err="1"/>
-                  <a:t>ms</a:t>
-                </a:r>
-                <a:r>
-                  <a:rPr lang="en-US" sz="3200" dirty="0"/>
-                  <a:t>)</a:t>
-                </a:r>
-              </a:p>
-            </p:txBody>
-          </p:sp>
-          <p:sp>
-            <p:nvSpPr>
-              <p:cNvPr id="9" name="TextBox 8"/>
-              <p:cNvSpPr txBox="1"/>
-              <p:nvPr/>
-            </p:nvSpPr>
-            <p:spPr>
-              <a:xfrm rot="16200000">
-                <a:off x="2536370" y="6874141"/>
-                <a:ext cx="2612572" cy="584775"/>
-              </a:xfrm>
-              <a:prstGeom prst="rect">
-                <a:avLst/>
-              </a:prstGeom>
-              <a:noFill/>
-            </p:spPr>
-            <p:txBody>
-              <a:bodyPr wrap="square" rtlCol="0">
-                <a:spAutoFit/>
-              </a:bodyPr>
-              <a:lstStyle/>
-              <a:p>
-                <a:r>
-                  <a:rPr lang="en-US" sz="3200" dirty="0"/>
-                  <a:t>Drone System</a:t>
-                </a:r>
-              </a:p>
-            </p:txBody>
-          </p:sp>
-          <p:sp>
-            <p:nvSpPr>
-              <p:cNvPr id="21" name="TextBox 20"/>
-              <p:cNvSpPr txBox="1"/>
-              <p:nvPr/>
-            </p:nvSpPr>
-            <p:spPr>
-              <a:xfrm rot="16200000">
-                <a:off x="2112530" y="2152635"/>
-                <a:ext cx="3418113" cy="584775"/>
-              </a:xfrm>
-              <a:prstGeom prst="rect">
-                <a:avLst/>
-              </a:prstGeom>
-              <a:noFill/>
-            </p:spPr>
-            <p:txBody>
-              <a:bodyPr wrap="square" rtlCol="0">
-                <a:spAutoFit/>
-              </a:bodyPr>
-              <a:lstStyle/>
-              <a:p>
-                <a:r>
-                  <a:rPr lang="en-US" sz="3200" dirty="0"/>
-                  <a:t>Traditional  System</a:t>
-                </a:r>
-              </a:p>
-            </p:txBody>
-          </p:sp>
-        </p:grpSp>
+            <a:prstGeom prst="rect">
+              <a:avLst/>
+            </a:prstGeom>
+            <a:noFill/>
+          </p:spPr>
+          <p:txBody>
+            <a:bodyPr wrap="square" rtlCol="0">
+              <a:spAutoFit/>
+            </a:bodyPr>
+            <a:lstStyle/>
+            <a:p>
+              <a:r>
+                <a:rPr lang="en-US" sz="3200" dirty="0"/>
+                <a:t>Time (</a:t>
+              </a:r>
+              <a:r>
+                <a:rPr lang="en-US" sz="3200" dirty="0" err="1"/>
+                <a:t>ms</a:t>
+              </a:r>
+              <a:r>
+                <a:rPr lang="en-US" sz="3200" dirty="0"/>
+                <a:t>)</a:t>
+              </a:r>
+            </a:p>
+          </p:txBody>
+        </p:sp>
+        <p:sp>
+          <p:nvSpPr>
+            <p:cNvPr id="9" name="TextBox 8"/>
+            <p:cNvSpPr txBox="1"/>
+            <p:nvPr/>
+          </p:nvSpPr>
+          <p:spPr>
+            <a:xfrm rot="16200000">
+              <a:off x="-1013897" y="5694844"/>
+              <a:ext cx="2612572" cy="584775"/>
+            </a:xfrm>
+            <a:prstGeom prst="rect">
+              <a:avLst/>
+            </a:prstGeom>
+            <a:noFill/>
+          </p:spPr>
+          <p:txBody>
+            <a:bodyPr wrap="square" rtlCol="0">
+              <a:spAutoFit/>
+            </a:bodyPr>
+            <a:lstStyle/>
+            <a:p>
+              <a:r>
+                <a:rPr lang="en-US" sz="3200" dirty="0"/>
+                <a:t>Drone System</a:t>
+              </a:r>
+            </a:p>
+          </p:txBody>
+        </p:sp>
+        <p:sp>
+          <p:nvSpPr>
+            <p:cNvPr id="21" name="TextBox 20"/>
+            <p:cNvSpPr txBox="1"/>
+            <p:nvPr/>
+          </p:nvSpPr>
+          <p:spPr>
+            <a:xfrm rot="16200000">
+              <a:off x="-1407752" y="2228933"/>
+              <a:ext cx="3418113" cy="584775"/>
+            </a:xfrm>
+            <a:prstGeom prst="rect">
+              <a:avLst/>
+            </a:prstGeom>
+            <a:noFill/>
+          </p:spPr>
+          <p:txBody>
+            <a:bodyPr wrap="square" rtlCol="0">
+              <a:spAutoFit/>
+            </a:bodyPr>
+            <a:lstStyle/>
+            <a:p>
+              <a:r>
+                <a:rPr lang="en-US" sz="3200" dirty="0"/>
+                <a:t>Traditional  System</a:t>
+              </a:r>
+            </a:p>
+          </p:txBody>
+        </p:sp>
       </p:grpSp>
     </p:spTree>
     <p:extLst>
